--- a/image_src/ref_un_prob.pptx
+++ b/image_src/ref_un_prob.pptx
@@ -7,6 +7,8 @@
   <p:sldIdLst>
     <p:sldId id="256" r:id="rId2"/>
     <p:sldId id="257" r:id="rId3"/>
+    <p:sldId id="258" r:id="rId4"/>
+    <p:sldId id="259" r:id="rId5"/>
   </p:sldIdLst>
   <p:sldSz cx="12192000" cy="6858000"/>
   <p:notesSz cx="6858000" cy="9144000"/>
@@ -116,7 +118,7 @@
 <file path=ppt/revisionInfo.xml><?xml version="1.0" encoding="utf-8"?>
 <p1510:revInfo xmlns:a="http://schemas.openxmlformats.org/drawingml/2006/main" xmlns:r="http://schemas.openxmlformats.org/officeDocument/2006/relationships" xmlns:p1510="http://schemas.microsoft.com/office/powerpoint/2015/10/main">
   <p1510:revLst>
-    <p1510:client id="{AF19917E-EF2D-4E0F-8457-5FE08984A464}" v="15" dt="2022-09-24T12:06:46.068"/>
+    <p1510:client id="{AF19917E-EF2D-4E0F-8457-5FE08984A464}" v="29" dt="2022-09-27T13:54:30.693"/>
   </p1510:revLst>
 </p1510:revInfo>
 </file>
@@ -126,7 +128,7 @@
   <pc:docChgLst>
     <pc:chgData name="Kaneko Itaru" userId="772eb26533164a99" providerId="LiveId" clId="{AF19917E-EF2D-4E0F-8457-5FE08984A464}"/>
     <pc:docChg chg="undo custSel addSld modSld">
-      <pc:chgData name="Kaneko Itaru" userId="772eb26533164a99" providerId="LiveId" clId="{AF19917E-EF2D-4E0F-8457-5FE08984A464}" dt="2022-09-25T14:23:52.068" v="88" actId="680"/>
+      <pc:chgData name="Kaneko Itaru" userId="772eb26533164a99" providerId="LiveId" clId="{AF19917E-EF2D-4E0F-8457-5FE08984A464}" dt="2022-09-27T13:56:09.002" v="523" actId="1076"/>
       <pc:docMkLst>
         <pc:docMk/>
       </pc:docMkLst>
@@ -449,16 +451,4344 @@
           </ac:picMkLst>
         </pc:picChg>
       </pc:sldChg>
-      <pc:sldChg chg="new">
-        <pc:chgData name="Kaneko Itaru" userId="772eb26533164a99" providerId="LiveId" clId="{AF19917E-EF2D-4E0F-8457-5FE08984A464}" dt="2022-09-25T14:23:52.068" v="88" actId="680"/>
+      <pc:sldChg chg="addSp delSp modSp new mod">
+        <pc:chgData name="Kaneko Itaru" userId="772eb26533164a99" providerId="LiveId" clId="{AF19917E-EF2D-4E0F-8457-5FE08984A464}" dt="2022-09-27T13:47:55.235" v="98" actId="14100"/>
         <pc:sldMkLst>
           <pc:docMk/>
           <pc:sldMk cId="269611057" sldId="257"/>
         </pc:sldMkLst>
+        <pc:graphicFrameChg chg="add mod">
+          <ac:chgData name="Kaneko Itaru" userId="772eb26533164a99" providerId="LiveId" clId="{AF19917E-EF2D-4E0F-8457-5FE08984A464}" dt="2022-09-27T13:47:55.235" v="98" actId="14100"/>
+          <ac:graphicFrameMkLst>
+            <pc:docMk/>
+            <pc:sldMk cId="269611057" sldId="257"/>
+            <ac:graphicFrameMk id="4" creationId="{C5C46BC6-287D-5D69-E150-CAFC1F2F860B}"/>
+          </ac:graphicFrameMkLst>
+        </pc:graphicFrameChg>
+        <pc:picChg chg="add del">
+          <ac:chgData name="Kaneko Itaru" userId="772eb26533164a99" providerId="LiveId" clId="{AF19917E-EF2D-4E0F-8457-5FE08984A464}" dt="2022-09-27T13:46:59.653" v="92" actId="478"/>
+          <ac:picMkLst>
+            <pc:docMk/>
+            <pc:sldMk cId="269611057" sldId="257"/>
+            <ac:picMk id="3" creationId="{0C312774-D23D-FFF4-6D49-D985152FE525}"/>
+          </ac:picMkLst>
+        </pc:picChg>
+      </pc:sldChg>
+      <pc:sldChg chg="addSp modSp new mod">
+        <pc:chgData name="Kaneko Itaru" userId="772eb26533164a99" providerId="LiveId" clId="{AF19917E-EF2D-4E0F-8457-5FE08984A464}" dt="2022-09-27T13:53:27.786" v="393" actId="14100"/>
+        <pc:sldMkLst>
+          <pc:docMk/>
+          <pc:sldMk cId="554711760" sldId="258"/>
+        </pc:sldMkLst>
+        <pc:spChg chg="add mod">
+          <ac:chgData name="Kaneko Itaru" userId="772eb26533164a99" providerId="LiveId" clId="{AF19917E-EF2D-4E0F-8457-5FE08984A464}" dt="2022-09-27T13:53:17.245" v="391" actId="1076"/>
+          <ac:spMkLst>
+            <pc:docMk/>
+            <pc:sldMk cId="554711760" sldId="258"/>
+            <ac:spMk id="5" creationId="{A4BFDAAF-65DF-A6DE-5887-E16C5D4FCAA5}"/>
+          </ac:spMkLst>
+        </pc:spChg>
+        <pc:spChg chg="add mod">
+          <ac:chgData name="Kaneko Itaru" userId="772eb26533164a99" providerId="LiveId" clId="{AF19917E-EF2D-4E0F-8457-5FE08984A464}" dt="2022-09-27T13:49:34.938" v="168" actId="6549"/>
+          <ac:spMkLst>
+            <pc:docMk/>
+            <pc:sldMk cId="554711760" sldId="258"/>
+            <ac:spMk id="6" creationId="{674ADB2E-443A-FDBA-A95F-E654E32F1CD7}"/>
+          </ac:spMkLst>
+        </pc:spChg>
+        <pc:spChg chg="add mod">
+          <ac:chgData name="Kaneko Itaru" userId="772eb26533164a99" providerId="LiveId" clId="{AF19917E-EF2D-4E0F-8457-5FE08984A464}" dt="2022-09-27T13:50:48.459" v="246" actId="1076"/>
+          <ac:spMkLst>
+            <pc:docMk/>
+            <pc:sldMk cId="554711760" sldId="258"/>
+            <ac:spMk id="11" creationId="{35415F46-86F0-3F2A-667D-1ABFC52670C5}"/>
+          </ac:spMkLst>
+        </pc:spChg>
+        <pc:spChg chg="add mod">
+          <ac:chgData name="Kaneko Itaru" userId="772eb26533164a99" providerId="LiveId" clId="{AF19917E-EF2D-4E0F-8457-5FE08984A464}" dt="2022-09-27T13:52:46.316" v="354" actId="1076"/>
+          <ac:spMkLst>
+            <pc:docMk/>
+            <pc:sldMk cId="554711760" sldId="258"/>
+            <ac:spMk id="12" creationId="{AC7322AF-8841-6790-578F-D9841D4CE716}"/>
+          </ac:spMkLst>
+        </pc:spChg>
+        <pc:spChg chg="add mod">
+          <ac:chgData name="Kaneko Itaru" userId="772eb26533164a99" providerId="LiveId" clId="{AF19917E-EF2D-4E0F-8457-5FE08984A464}" dt="2022-09-27T13:52:46.316" v="354" actId="1076"/>
+          <ac:spMkLst>
+            <pc:docMk/>
+            <pc:sldMk cId="554711760" sldId="258"/>
+            <ac:spMk id="13" creationId="{7DE552FB-10A3-C5E9-D652-146B350E2EF5}"/>
+          </ac:spMkLst>
+        </pc:spChg>
+        <pc:spChg chg="add mod">
+          <ac:chgData name="Kaneko Itaru" userId="772eb26533164a99" providerId="LiveId" clId="{AF19917E-EF2D-4E0F-8457-5FE08984A464}" dt="2022-09-27T13:51:53.580" v="335" actId="20577"/>
+          <ac:spMkLst>
+            <pc:docMk/>
+            <pc:sldMk cId="554711760" sldId="258"/>
+            <ac:spMk id="14" creationId="{7CFBDC5E-4617-E7E6-6B72-F26568C42CEF}"/>
+          </ac:spMkLst>
+        </pc:spChg>
+        <pc:spChg chg="add mod">
+          <ac:chgData name="Kaneko Itaru" userId="772eb26533164a99" providerId="LiveId" clId="{AF19917E-EF2D-4E0F-8457-5FE08984A464}" dt="2022-09-27T13:52:40.297" v="353" actId="20577"/>
+          <ac:spMkLst>
+            <pc:docMk/>
+            <pc:sldMk cId="554711760" sldId="258"/>
+            <ac:spMk id="15" creationId="{EE55FED7-E653-CAAF-31E1-0DD481847F5A}"/>
+          </ac:spMkLst>
+        </pc:spChg>
+        <pc:graphicFrameChg chg="add mod">
+          <ac:chgData name="Kaneko Itaru" userId="772eb26533164a99" providerId="LiveId" clId="{AF19917E-EF2D-4E0F-8457-5FE08984A464}" dt="2022-09-27T13:48:49.721" v="114" actId="1076"/>
+          <ac:graphicFrameMkLst>
+            <pc:docMk/>
+            <pc:sldMk cId="554711760" sldId="258"/>
+            <ac:graphicFrameMk id="2" creationId="{04AD980A-FE37-9C71-19B6-57C9F2652D02}"/>
+          </ac:graphicFrameMkLst>
+        </pc:graphicFrameChg>
+        <pc:picChg chg="add mod">
+          <ac:chgData name="Kaneko Itaru" userId="772eb26533164a99" providerId="LiveId" clId="{AF19917E-EF2D-4E0F-8457-5FE08984A464}" dt="2022-09-27T13:49:22.141" v="150" actId="1076"/>
+          <ac:picMkLst>
+            <pc:docMk/>
+            <pc:sldMk cId="554711760" sldId="258"/>
+            <ac:picMk id="4" creationId="{7722DB67-CE8F-BDA1-AFBF-E1463BA68C09}"/>
+          </ac:picMkLst>
+        </pc:picChg>
+        <pc:cxnChg chg="add mod">
+          <ac:chgData name="Kaneko Itaru" userId="772eb26533164a99" providerId="LiveId" clId="{AF19917E-EF2D-4E0F-8457-5FE08984A464}" dt="2022-09-27T13:53:27.786" v="393" actId="14100"/>
+          <ac:cxnSpMkLst>
+            <pc:docMk/>
+            <pc:sldMk cId="554711760" sldId="258"/>
+            <ac:cxnSpMk id="8" creationId="{C570367F-D18C-B6FA-84C7-17AED08A1F8F}"/>
+          </ac:cxnSpMkLst>
+        </pc:cxnChg>
+        <pc:cxnChg chg="add">
+          <ac:chgData name="Kaneko Itaru" userId="772eb26533164a99" providerId="LiveId" clId="{AF19917E-EF2D-4E0F-8457-5FE08984A464}" dt="2022-09-27T13:50:20.481" v="170" actId="11529"/>
+          <ac:cxnSpMkLst>
+            <pc:docMk/>
+            <pc:sldMk cId="554711760" sldId="258"/>
+            <ac:cxnSpMk id="10" creationId="{5364B578-562B-4854-F1F4-F35386895F75}"/>
+          </ac:cxnSpMkLst>
+        </pc:cxnChg>
+      </pc:sldChg>
+      <pc:sldChg chg="addSp delSp modSp add mod">
+        <pc:chgData name="Kaneko Itaru" userId="772eb26533164a99" providerId="LiveId" clId="{AF19917E-EF2D-4E0F-8457-5FE08984A464}" dt="2022-09-27T13:56:09.002" v="523" actId="1076"/>
+        <pc:sldMkLst>
+          <pc:docMk/>
+          <pc:sldMk cId="1529599871" sldId="259"/>
+        </pc:sldMkLst>
+        <pc:spChg chg="add mod">
+          <ac:chgData name="Kaneko Itaru" userId="772eb26533164a99" providerId="LiveId" clId="{AF19917E-EF2D-4E0F-8457-5FE08984A464}" dt="2022-09-27T13:55:31.633" v="444" actId="1076"/>
+          <ac:spMkLst>
+            <pc:docMk/>
+            <pc:sldMk cId="1529599871" sldId="259"/>
+            <ac:spMk id="3" creationId="{8688C79F-2D82-42B1-5420-B789A02DD5DD}"/>
+          </ac:spMkLst>
+        </pc:spChg>
+        <pc:spChg chg="mod">
+          <ac:chgData name="Kaneko Itaru" userId="772eb26533164a99" providerId="LiveId" clId="{AF19917E-EF2D-4E0F-8457-5FE08984A464}" dt="2022-09-27T13:55:34.494" v="445" actId="1076"/>
+          <ac:spMkLst>
+            <pc:docMk/>
+            <pc:sldMk cId="1529599871" sldId="259"/>
+            <ac:spMk id="5" creationId="{A4BFDAAF-65DF-A6DE-5887-E16C5D4FCAA5}"/>
+          </ac:spMkLst>
+        </pc:spChg>
+        <pc:spChg chg="del">
+          <ac:chgData name="Kaneko Itaru" userId="772eb26533164a99" providerId="LiveId" clId="{AF19917E-EF2D-4E0F-8457-5FE08984A464}" dt="2022-09-27T13:54:27.718" v="423" actId="478"/>
+          <ac:spMkLst>
+            <pc:docMk/>
+            <pc:sldMk cId="1529599871" sldId="259"/>
+            <ac:spMk id="6" creationId="{674ADB2E-443A-FDBA-A95F-E654E32F1CD7}"/>
+          </ac:spMkLst>
+        </pc:spChg>
+        <pc:spChg chg="mod">
+          <ac:chgData name="Kaneko Itaru" userId="772eb26533164a99" providerId="LiveId" clId="{AF19917E-EF2D-4E0F-8457-5FE08984A464}" dt="2022-09-27T13:56:09.002" v="523" actId="1076"/>
+          <ac:spMkLst>
+            <pc:docMk/>
+            <pc:sldMk cId="1529599871" sldId="259"/>
+            <ac:spMk id="11" creationId="{35415F46-86F0-3F2A-667D-1ABFC52670C5}"/>
+          </ac:spMkLst>
+        </pc:spChg>
+        <pc:spChg chg="del">
+          <ac:chgData name="Kaneko Itaru" userId="772eb26533164a99" providerId="LiveId" clId="{AF19917E-EF2D-4E0F-8457-5FE08984A464}" dt="2022-09-27T13:55:46.615" v="446" actId="478"/>
+          <ac:spMkLst>
+            <pc:docMk/>
+            <pc:sldMk cId="1529599871" sldId="259"/>
+            <ac:spMk id="12" creationId="{AC7322AF-8841-6790-578F-D9841D4CE716}"/>
+          </ac:spMkLst>
+        </pc:spChg>
+        <pc:spChg chg="del">
+          <ac:chgData name="Kaneko Itaru" userId="772eb26533164a99" providerId="LiveId" clId="{AF19917E-EF2D-4E0F-8457-5FE08984A464}" dt="2022-09-27T13:55:46.615" v="446" actId="478"/>
+          <ac:spMkLst>
+            <pc:docMk/>
+            <pc:sldMk cId="1529599871" sldId="259"/>
+            <ac:spMk id="13" creationId="{7DE552FB-10A3-C5E9-D652-146B350E2EF5}"/>
+          </ac:spMkLst>
+        </pc:spChg>
+        <pc:spChg chg="del">
+          <ac:chgData name="Kaneko Itaru" userId="772eb26533164a99" providerId="LiveId" clId="{AF19917E-EF2D-4E0F-8457-5FE08984A464}" dt="2022-09-27T13:55:46.615" v="446" actId="478"/>
+          <ac:spMkLst>
+            <pc:docMk/>
+            <pc:sldMk cId="1529599871" sldId="259"/>
+            <ac:spMk id="14" creationId="{7CFBDC5E-4617-E7E6-6B72-F26568C42CEF}"/>
+          </ac:spMkLst>
+        </pc:spChg>
+        <pc:spChg chg="del">
+          <ac:chgData name="Kaneko Itaru" userId="772eb26533164a99" providerId="LiveId" clId="{AF19917E-EF2D-4E0F-8457-5FE08984A464}" dt="2022-09-27T13:55:46.615" v="446" actId="478"/>
+          <ac:spMkLst>
+            <pc:docMk/>
+            <pc:sldMk cId="1529599871" sldId="259"/>
+            <ac:spMk id="15" creationId="{EE55FED7-E653-CAAF-31E1-0DD481847F5A}"/>
+          </ac:spMkLst>
+        </pc:spChg>
+        <pc:graphicFrameChg chg="del">
+          <ac:chgData name="Kaneko Itaru" userId="772eb26533164a99" providerId="LiveId" clId="{AF19917E-EF2D-4E0F-8457-5FE08984A464}" dt="2022-09-27T13:54:06.007" v="395" actId="478"/>
+          <ac:graphicFrameMkLst>
+            <pc:docMk/>
+            <pc:sldMk cId="1529599871" sldId="259"/>
+            <ac:graphicFrameMk id="2" creationId="{04AD980A-FE37-9C71-19B6-57C9F2652D02}"/>
+          </ac:graphicFrameMkLst>
+        </pc:graphicFrameChg>
+        <pc:picChg chg="mod">
+          <ac:chgData name="Kaneko Itaru" userId="772eb26533164a99" providerId="LiveId" clId="{AF19917E-EF2D-4E0F-8457-5FE08984A464}" dt="2022-09-27T13:54:11.155" v="396" actId="1076"/>
+          <ac:picMkLst>
+            <pc:docMk/>
+            <pc:sldMk cId="1529599871" sldId="259"/>
+            <ac:picMk id="4" creationId="{7722DB67-CE8F-BDA1-AFBF-E1463BA68C09}"/>
+          </ac:picMkLst>
+        </pc:picChg>
+        <pc:picChg chg="add mod">
+          <ac:chgData name="Kaneko Itaru" userId="772eb26533164a99" providerId="LiveId" clId="{AF19917E-EF2D-4E0F-8457-5FE08984A464}" dt="2022-09-27T13:55:27.813" v="443" actId="14100"/>
+          <ac:picMkLst>
+            <pc:docMk/>
+            <pc:sldMk cId="1529599871" sldId="259"/>
+            <ac:picMk id="9" creationId="{AAAE9564-9152-056E-6E30-1E402644AA3F}"/>
+          </ac:picMkLst>
+        </pc:picChg>
       </pc:sldChg>
     </pc:docChg>
   </pc:docChgLst>
 </pc:chgInfo>
+</file>
+
+<file path=ppt/charts/chart1.xml><?xml version="1.0" encoding="utf-8"?>
+<c:chartSpace xmlns:c="http://schemas.openxmlformats.org/drawingml/2006/chart" xmlns:a="http://schemas.openxmlformats.org/drawingml/2006/main" xmlns:r="http://schemas.openxmlformats.org/officeDocument/2006/relationships" xmlns:c16r2="http://schemas.microsoft.com/office/drawing/2015/06/chart">
+  <c:date1904 val="0"/>
+  <c:lang val="ja-JP"/>
+  <c:roundedCorners val="0"/>
+  <mc:AlternateContent xmlns:mc="http://schemas.openxmlformats.org/markup-compatibility/2006">
+    <mc:Choice xmlns:c14="http://schemas.microsoft.com/office/drawing/2007/8/2/chart" Requires="c14">
+      <c14:style val="102"/>
+    </mc:Choice>
+    <mc:Fallback>
+      <c:style val="2"/>
+    </mc:Fallback>
+  </mc:AlternateContent>
+  <c:chart>
+    <c:autoTitleDeleted val="1"/>
+    <c:plotArea>
+      <c:layout>
+        <c:manualLayout>
+          <c:layoutTarget val="inner"/>
+          <c:xMode val="edge"/>
+          <c:yMode val="edge"/>
+          <c:x val="7.0108705161854773E-2"/>
+          <c:y val="0.14116907261592301"/>
+          <c:w val="0.89655796150481193"/>
+          <c:h val="0.67905912802566348"/>
+        </c:manualLayout>
+      </c:layout>
+      <c:lineChart>
+        <c:grouping val="stacked"/>
+        <c:varyColors val="0"/>
+        <c:ser>
+          <c:idx val="1"/>
+          <c:order val="1"/>
+          <c:spPr>
+            <a:ln w="28575" cap="rnd">
+              <a:solidFill>
+                <a:schemeClr val="accent2"/>
+              </a:solidFill>
+              <a:round/>
+            </a:ln>
+            <a:effectLst/>
+          </c:spPr>
+          <c:marker>
+            <c:symbol val="none"/>
+          </c:marker>
+          <c:cat>
+            <c:numRef>
+              <c:f>normdist1!$A$1:$A$101</c:f>
+              <c:numCache>
+                <c:formatCode>General</c:formatCode>
+                <c:ptCount val="101"/>
+                <c:pt idx="0">
+                  <c:v>0</c:v>
+                </c:pt>
+                <c:pt idx="1">
+                  <c:v>1</c:v>
+                </c:pt>
+                <c:pt idx="2">
+                  <c:v>2</c:v>
+                </c:pt>
+                <c:pt idx="3">
+                  <c:v>3</c:v>
+                </c:pt>
+                <c:pt idx="4">
+                  <c:v>4</c:v>
+                </c:pt>
+                <c:pt idx="5">
+                  <c:v>5</c:v>
+                </c:pt>
+                <c:pt idx="6">
+                  <c:v>6</c:v>
+                </c:pt>
+                <c:pt idx="7">
+                  <c:v>7</c:v>
+                </c:pt>
+                <c:pt idx="8">
+                  <c:v>8</c:v>
+                </c:pt>
+                <c:pt idx="9">
+                  <c:v>9</c:v>
+                </c:pt>
+                <c:pt idx="10">
+                  <c:v>10</c:v>
+                </c:pt>
+                <c:pt idx="11">
+                  <c:v>11</c:v>
+                </c:pt>
+                <c:pt idx="12">
+                  <c:v>12</c:v>
+                </c:pt>
+                <c:pt idx="13">
+                  <c:v>13</c:v>
+                </c:pt>
+                <c:pt idx="14">
+                  <c:v>14</c:v>
+                </c:pt>
+                <c:pt idx="15">
+                  <c:v>15</c:v>
+                </c:pt>
+                <c:pt idx="16">
+                  <c:v>16</c:v>
+                </c:pt>
+                <c:pt idx="17">
+                  <c:v>17</c:v>
+                </c:pt>
+                <c:pt idx="18">
+                  <c:v>18</c:v>
+                </c:pt>
+                <c:pt idx="19">
+                  <c:v>19</c:v>
+                </c:pt>
+                <c:pt idx="20">
+                  <c:v>20</c:v>
+                </c:pt>
+                <c:pt idx="21">
+                  <c:v>21</c:v>
+                </c:pt>
+                <c:pt idx="22">
+                  <c:v>22</c:v>
+                </c:pt>
+                <c:pt idx="23">
+                  <c:v>23</c:v>
+                </c:pt>
+                <c:pt idx="24">
+                  <c:v>24</c:v>
+                </c:pt>
+                <c:pt idx="25">
+                  <c:v>25</c:v>
+                </c:pt>
+                <c:pt idx="26">
+                  <c:v>26</c:v>
+                </c:pt>
+                <c:pt idx="27">
+                  <c:v>27</c:v>
+                </c:pt>
+                <c:pt idx="28">
+                  <c:v>28</c:v>
+                </c:pt>
+                <c:pt idx="29">
+                  <c:v>29</c:v>
+                </c:pt>
+                <c:pt idx="30">
+                  <c:v>30</c:v>
+                </c:pt>
+                <c:pt idx="31">
+                  <c:v>31</c:v>
+                </c:pt>
+                <c:pt idx="32">
+                  <c:v>32</c:v>
+                </c:pt>
+                <c:pt idx="33">
+                  <c:v>33</c:v>
+                </c:pt>
+                <c:pt idx="34">
+                  <c:v>34</c:v>
+                </c:pt>
+                <c:pt idx="35">
+                  <c:v>35</c:v>
+                </c:pt>
+                <c:pt idx="36">
+                  <c:v>36</c:v>
+                </c:pt>
+                <c:pt idx="37">
+                  <c:v>37</c:v>
+                </c:pt>
+                <c:pt idx="38">
+                  <c:v>38</c:v>
+                </c:pt>
+                <c:pt idx="39">
+                  <c:v>39</c:v>
+                </c:pt>
+                <c:pt idx="40">
+                  <c:v>40</c:v>
+                </c:pt>
+                <c:pt idx="41">
+                  <c:v>41</c:v>
+                </c:pt>
+                <c:pt idx="42">
+                  <c:v>42</c:v>
+                </c:pt>
+                <c:pt idx="43">
+                  <c:v>43</c:v>
+                </c:pt>
+                <c:pt idx="44">
+                  <c:v>44</c:v>
+                </c:pt>
+                <c:pt idx="45">
+                  <c:v>45</c:v>
+                </c:pt>
+                <c:pt idx="46">
+                  <c:v>46</c:v>
+                </c:pt>
+                <c:pt idx="47">
+                  <c:v>47</c:v>
+                </c:pt>
+                <c:pt idx="48">
+                  <c:v>48</c:v>
+                </c:pt>
+                <c:pt idx="49">
+                  <c:v>49</c:v>
+                </c:pt>
+                <c:pt idx="50">
+                  <c:v>50</c:v>
+                </c:pt>
+                <c:pt idx="51">
+                  <c:v>51</c:v>
+                </c:pt>
+                <c:pt idx="52">
+                  <c:v>52</c:v>
+                </c:pt>
+                <c:pt idx="53">
+                  <c:v>53</c:v>
+                </c:pt>
+                <c:pt idx="54">
+                  <c:v>54</c:v>
+                </c:pt>
+                <c:pt idx="55">
+                  <c:v>55</c:v>
+                </c:pt>
+                <c:pt idx="56">
+                  <c:v>56</c:v>
+                </c:pt>
+                <c:pt idx="57">
+                  <c:v>57</c:v>
+                </c:pt>
+                <c:pt idx="58">
+                  <c:v>58</c:v>
+                </c:pt>
+                <c:pt idx="59">
+                  <c:v>59</c:v>
+                </c:pt>
+                <c:pt idx="60">
+                  <c:v>60</c:v>
+                </c:pt>
+                <c:pt idx="61">
+                  <c:v>61</c:v>
+                </c:pt>
+                <c:pt idx="62">
+                  <c:v>62</c:v>
+                </c:pt>
+                <c:pt idx="63">
+                  <c:v>63</c:v>
+                </c:pt>
+                <c:pt idx="64">
+                  <c:v>64</c:v>
+                </c:pt>
+                <c:pt idx="65">
+                  <c:v>65</c:v>
+                </c:pt>
+                <c:pt idx="66">
+                  <c:v>66</c:v>
+                </c:pt>
+                <c:pt idx="67">
+                  <c:v>67</c:v>
+                </c:pt>
+                <c:pt idx="68">
+                  <c:v>68</c:v>
+                </c:pt>
+                <c:pt idx="69">
+                  <c:v>69</c:v>
+                </c:pt>
+                <c:pt idx="70">
+                  <c:v>70</c:v>
+                </c:pt>
+                <c:pt idx="71">
+                  <c:v>71</c:v>
+                </c:pt>
+                <c:pt idx="72">
+                  <c:v>72</c:v>
+                </c:pt>
+                <c:pt idx="73">
+                  <c:v>73</c:v>
+                </c:pt>
+                <c:pt idx="74">
+                  <c:v>74</c:v>
+                </c:pt>
+                <c:pt idx="75">
+                  <c:v>75</c:v>
+                </c:pt>
+                <c:pt idx="76">
+                  <c:v>76</c:v>
+                </c:pt>
+                <c:pt idx="77">
+                  <c:v>77</c:v>
+                </c:pt>
+                <c:pt idx="78">
+                  <c:v>78</c:v>
+                </c:pt>
+                <c:pt idx="79">
+                  <c:v>79</c:v>
+                </c:pt>
+                <c:pt idx="80">
+                  <c:v>80</c:v>
+                </c:pt>
+                <c:pt idx="81">
+                  <c:v>81</c:v>
+                </c:pt>
+                <c:pt idx="82">
+                  <c:v>82</c:v>
+                </c:pt>
+                <c:pt idx="83">
+                  <c:v>83</c:v>
+                </c:pt>
+                <c:pt idx="84">
+                  <c:v>84</c:v>
+                </c:pt>
+                <c:pt idx="85">
+                  <c:v>85</c:v>
+                </c:pt>
+                <c:pt idx="86">
+                  <c:v>86</c:v>
+                </c:pt>
+                <c:pt idx="87">
+                  <c:v>87</c:v>
+                </c:pt>
+                <c:pt idx="88">
+                  <c:v>88</c:v>
+                </c:pt>
+                <c:pt idx="89">
+                  <c:v>89</c:v>
+                </c:pt>
+                <c:pt idx="90">
+                  <c:v>90</c:v>
+                </c:pt>
+                <c:pt idx="91">
+                  <c:v>91</c:v>
+                </c:pt>
+                <c:pt idx="92">
+                  <c:v>92</c:v>
+                </c:pt>
+                <c:pt idx="93">
+                  <c:v>93</c:v>
+                </c:pt>
+                <c:pt idx="94">
+                  <c:v>94</c:v>
+                </c:pt>
+                <c:pt idx="95">
+                  <c:v>95</c:v>
+                </c:pt>
+                <c:pt idx="96">
+                  <c:v>96</c:v>
+                </c:pt>
+                <c:pt idx="97">
+                  <c:v>97</c:v>
+                </c:pt>
+                <c:pt idx="98">
+                  <c:v>98</c:v>
+                </c:pt>
+                <c:pt idx="99">
+                  <c:v>99</c:v>
+                </c:pt>
+                <c:pt idx="100">
+                  <c:v>100</c:v>
+                </c:pt>
+              </c:numCache>
+            </c:numRef>
+          </c:cat>
+          <c:val>
+            <c:numRef>
+              <c:f>normdist1!$B$1:$B$101</c:f>
+              <c:numCache>
+                <c:formatCode>General</c:formatCode>
+                <c:ptCount val="101"/>
+                <c:pt idx="0">
+                  <c:v>3.7266531720786709E-6</c:v>
+                </c:pt>
+                <c:pt idx="1">
+                  <c:v>6.1135679663714022E-6</c:v>
+                </c:pt>
+                <c:pt idx="2">
+                  <c:v>9.9295043058510811E-6</c:v>
+                </c:pt>
+                <c:pt idx="3">
+                  <c:v>1.5966783897804747E-5</c:v>
+                </c:pt>
+                <c:pt idx="4">
+                  <c:v>2.5419346516199247E-5</c:v>
+                </c:pt>
+                <c:pt idx="5">
+                  <c:v>4.0065297392951069E-5</c:v>
+                </c:pt>
+                <c:pt idx="6">
+                  <c:v>6.252150377482026E-5</c:v>
+                </c:pt>
+                <c:pt idx="7">
+                  <c:v>9.6593413722183833E-5</c:v>
+                </c:pt>
+                <c:pt idx="8">
+                  <c:v>1.4774836023203364E-4</c:v>
+                </c:pt>
+                <c:pt idx="9">
+                  <c:v>2.2374579372062055E-4</c:v>
+                </c:pt>
+                <c:pt idx="10">
+                  <c:v>3.3546262790251185E-4</c:v>
+                </c:pt>
+                <c:pt idx="11">
+                  <c:v>4.9795542150327349E-4</c:v>
+                </c:pt>
+                <c:pt idx="12">
+                  <c:v>7.3180241888047277E-4</c:v>
+                </c:pt>
+                <c:pt idx="13">
+                  <c:v>1.0647662366679205E-3</c:v>
+                </c:pt>
+                <c:pt idx="14">
+                  <c:v>1.533810679324463E-3</c:v>
+                </c:pt>
+                <c:pt idx="15">
+                  <c:v>2.1874911181828851E-3</c:v>
+                </c:pt>
+                <c:pt idx="16">
+                  <c:v>3.0887154082367687E-3</c:v>
+                </c:pt>
+                <c:pt idx="17">
+                  <c:v>4.3178400076330781E-3</c:v>
+                </c:pt>
+                <c:pt idx="18">
+                  <c:v>5.9760228950059427E-3</c:v>
+                </c:pt>
+                <c:pt idx="19">
+                  <c:v>8.1887010143740831E-3</c:v>
+                </c:pt>
+                <c:pt idx="20">
+                  <c:v>1.1108996538242306E-2</c:v>
+                </c:pt>
+                <c:pt idx="21">
+                  <c:v>1.4920786069067842E-2</c:v>
+                </c:pt>
+                <c:pt idx="22">
+                  <c:v>1.9841094744370288E-2</c:v>
+                </c:pt>
+                <c:pt idx="23">
+                  <c:v>2.6121409853918233E-2</c:v>
+                </c:pt>
+                <c:pt idx="24">
+                  <c:v>3.4047454734599344E-2</c:v>
+                </c:pt>
+                <c:pt idx="25">
+                  <c:v>4.393693362340742E-2</c:v>
+                </c:pt>
+                <c:pt idx="26">
+                  <c:v>5.6134762834133725E-2</c:v>
+                </c:pt>
+                <c:pt idx="27">
+                  <c:v>7.1005353739636984E-2</c:v>
+                </c:pt>
+                <c:pt idx="28">
+                  <c:v>8.8921617459386343E-2</c:v>
+                </c:pt>
+                <c:pt idx="29">
+                  <c:v>0.11025052530448522</c:v>
+                </c:pt>
+                <c:pt idx="30">
+                  <c:v>0.1353352832366127</c:v>
+                </c:pt>
+                <c:pt idx="31">
+                  <c:v>0.1644744565771549</c:v>
+                </c:pt>
+                <c:pt idx="32">
+                  <c:v>0.19789869908361465</c:v>
+                </c:pt>
+                <c:pt idx="33">
+                  <c:v>0.23574607655586352</c:v>
+                </c:pt>
+                <c:pt idx="34">
+                  <c:v>0.27803730045319414</c:v>
+                </c:pt>
+                <c:pt idx="35">
+                  <c:v>0.32465246735834974</c:v>
+                </c:pt>
+                <c:pt idx="36">
+                  <c:v>0.37531109885139957</c:v>
+                </c:pt>
+                <c:pt idx="37">
+                  <c:v>0.42955735821073915</c:v>
+                </c:pt>
+                <c:pt idx="38">
+                  <c:v>0.48675225595997168</c:v>
+                </c:pt>
+                <c:pt idx="39">
+                  <c:v>0.5460744266397094</c:v>
+                </c:pt>
+                <c:pt idx="40">
+                  <c:v>0.60653065971263342</c:v>
+                </c:pt>
+                <c:pt idx="41">
+                  <c:v>0.66697681085847438</c:v>
+                </c:pt>
+                <c:pt idx="42">
+                  <c:v>0.72614903707369094</c:v>
+                </c:pt>
+                <c:pt idx="43">
+                  <c:v>0.78270453824186814</c:v>
+                </c:pt>
+                <c:pt idx="44">
+                  <c:v>0.835270211411272</c:v>
+                </c:pt>
+                <c:pt idx="45">
+                  <c:v>0.88249690258459546</c:v>
+                </c:pt>
+                <c:pt idx="46">
+                  <c:v>0.92311634638663576</c:v>
+                </c:pt>
+                <c:pt idx="47">
+                  <c:v>0.95599748183309996</c:v>
+                </c:pt>
+                <c:pt idx="48">
+                  <c:v>0.98019867330675525</c:v>
+                </c:pt>
+                <c:pt idx="49">
+                  <c:v>0.99501247919268232</c:v>
+                </c:pt>
+                <c:pt idx="50">
+                  <c:v>1</c:v>
+                </c:pt>
+                <c:pt idx="51">
+                  <c:v>0.99501247919268232</c:v>
+                </c:pt>
+                <c:pt idx="52">
+                  <c:v>0.98019867330675525</c:v>
+                </c:pt>
+                <c:pt idx="53">
+                  <c:v>0.95599748183309996</c:v>
+                </c:pt>
+                <c:pt idx="54">
+                  <c:v>0.92311634638663576</c:v>
+                </c:pt>
+                <c:pt idx="55">
+                  <c:v>0.88249690258459546</c:v>
+                </c:pt>
+                <c:pt idx="56">
+                  <c:v>0.835270211411272</c:v>
+                </c:pt>
+                <c:pt idx="57">
+                  <c:v>0.78270453824186814</c:v>
+                </c:pt>
+                <c:pt idx="58">
+                  <c:v>0.72614903707369094</c:v>
+                </c:pt>
+                <c:pt idx="59">
+                  <c:v>0.66697681085847438</c:v>
+                </c:pt>
+                <c:pt idx="60">
+                  <c:v>0.60653065971263342</c:v>
+                </c:pt>
+                <c:pt idx="61">
+                  <c:v>0.5460744266397094</c:v>
+                </c:pt>
+                <c:pt idx="62">
+                  <c:v>0.48675225595997168</c:v>
+                </c:pt>
+                <c:pt idx="63">
+                  <c:v>0.42955735821073915</c:v>
+                </c:pt>
+                <c:pt idx="64">
+                  <c:v>0.37531109885139957</c:v>
+                </c:pt>
+                <c:pt idx="65">
+                  <c:v>0.32465246735834974</c:v>
+                </c:pt>
+                <c:pt idx="66">
+                  <c:v>0.27803730045319414</c:v>
+                </c:pt>
+                <c:pt idx="67">
+                  <c:v>0.23574607655586352</c:v>
+                </c:pt>
+                <c:pt idx="68">
+                  <c:v>0.19789869908361465</c:v>
+                </c:pt>
+                <c:pt idx="69">
+                  <c:v>0.1644744565771549</c:v>
+                </c:pt>
+                <c:pt idx="70">
+                  <c:v>0.1353352832366127</c:v>
+                </c:pt>
+                <c:pt idx="71">
+                  <c:v>0.11025052530448522</c:v>
+                </c:pt>
+                <c:pt idx="72">
+                  <c:v>8.8921617459386343E-2</c:v>
+                </c:pt>
+                <c:pt idx="73">
+                  <c:v>7.1005353739636984E-2</c:v>
+                </c:pt>
+                <c:pt idx="74">
+                  <c:v>5.6134762834133725E-2</c:v>
+                </c:pt>
+                <c:pt idx="75">
+                  <c:v>4.393693362340742E-2</c:v>
+                </c:pt>
+                <c:pt idx="76">
+                  <c:v>3.4047454734599344E-2</c:v>
+                </c:pt>
+                <c:pt idx="77">
+                  <c:v>2.6121409853918233E-2</c:v>
+                </c:pt>
+                <c:pt idx="78">
+                  <c:v>1.9841094744370288E-2</c:v>
+                </c:pt>
+                <c:pt idx="79">
+                  <c:v>1.4920786069067842E-2</c:v>
+                </c:pt>
+                <c:pt idx="80">
+                  <c:v>1.1108996538242306E-2</c:v>
+                </c:pt>
+                <c:pt idx="81">
+                  <c:v>8.1887010143740831E-3</c:v>
+                </c:pt>
+                <c:pt idx="82">
+                  <c:v>5.9760228950059427E-3</c:v>
+                </c:pt>
+                <c:pt idx="83">
+                  <c:v>4.3178400076330781E-3</c:v>
+                </c:pt>
+                <c:pt idx="84">
+                  <c:v>3.0887154082367687E-3</c:v>
+                </c:pt>
+                <c:pt idx="85">
+                  <c:v>2.1874911181828851E-3</c:v>
+                </c:pt>
+                <c:pt idx="86">
+                  <c:v>1.533810679324463E-3</c:v>
+                </c:pt>
+                <c:pt idx="87">
+                  <c:v>1.0647662366679205E-3</c:v>
+                </c:pt>
+                <c:pt idx="88">
+                  <c:v>7.3180241888047277E-4</c:v>
+                </c:pt>
+                <c:pt idx="89">
+                  <c:v>4.9795542150327349E-4</c:v>
+                </c:pt>
+                <c:pt idx="90">
+                  <c:v>3.3546262790251185E-4</c:v>
+                </c:pt>
+                <c:pt idx="91">
+                  <c:v>2.2374579372062055E-4</c:v>
+                </c:pt>
+                <c:pt idx="92">
+                  <c:v>1.4774836023203364E-4</c:v>
+                </c:pt>
+                <c:pt idx="93">
+                  <c:v>9.6593413722183833E-5</c:v>
+                </c:pt>
+                <c:pt idx="94">
+                  <c:v>6.252150377482026E-5</c:v>
+                </c:pt>
+                <c:pt idx="95">
+                  <c:v>4.0065297392951069E-5</c:v>
+                </c:pt>
+                <c:pt idx="96">
+                  <c:v>2.5419346516199247E-5</c:v>
+                </c:pt>
+                <c:pt idx="97">
+                  <c:v>1.5966783897804747E-5</c:v>
+                </c:pt>
+                <c:pt idx="98">
+                  <c:v>9.9295043058510811E-6</c:v>
+                </c:pt>
+                <c:pt idx="99">
+                  <c:v>6.1135679663714022E-6</c:v>
+                </c:pt>
+                <c:pt idx="100">
+                  <c:v>3.7266531720786709E-6</c:v>
+                </c:pt>
+              </c:numCache>
+            </c:numRef>
+          </c:val>
+          <c:smooth val="0"/>
+          <c:extLst>
+            <c:ext xmlns:c16="http://schemas.microsoft.com/office/drawing/2014/chart" uri="{C3380CC4-5D6E-409C-BE32-E72D297353CC}">
+              <c16:uniqueId val="{00000000-4C25-4D7C-B972-B2E7597BE6C7}"/>
+            </c:ext>
+          </c:extLst>
+        </c:ser>
+        <c:dLbls>
+          <c:showLegendKey val="0"/>
+          <c:showVal val="0"/>
+          <c:showCatName val="0"/>
+          <c:showSerName val="0"/>
+          <c:showPercent val="0"/>
+          <c:showBubbleSize val="0"/>
+        </c:dLbls>
+        <c:smooth val="0"/>
+        <c:axId val="580191791"/>
+        <c:axId val="580189295"/>
+        <c:extLst>
+          <c:ext xmlns:c15="http://schemas.microsoft.com/office/drawing/2012/chart" uri="{02D57815-91ED-43cb-92C2-25804820EDAC}">
+            <c15:filteredLineSeries>
+              <c15:ser>
+                <c:idx val="0"/>
+                <c:order val="0"/>
+                <c:spPr>
+                  <a:ln w="28575" cap="rnd">
+                    <a:solidFill>
+                      <a:schemeClr val="accent1"/>
+                    </a:solidFill>
+                    <a:round/>
+                  </a:ln>
+                  <a:effectLst/>
+                </c:spPr>
+                <c:marker>
+                  <c:symbol val="none"/>
+                </c:marker>
+                <c:cat>
+                  <c:numRef>
+                    <c:extLst>
+                      <c:ext uri="{02D57815-91ED-43cb-92C2-25804820EDAC}">
+                        <c15:formulaRef>
+                          <c15:sqref>normdist1!$A$1:$A$101</c15:sqref>
+                        </c15:formulaRef>
+                      </c:ext>
+                    </c:extLst>
+                    <c:numCache>
+                      <c:formatCode>General</c:formatCode>
+                      <c:ptCount val="101"/>
+                      <c:pt idx="0">
+                        <c:v>0</c:v>
+                      </c:pt>
+                      <c:pt idx="1">
+                        <c:v>1</c:v>
+                      </c:pt>
+                      <c:pt idx="2">
+                        <c:v>2</c:v>
+                      </c:pt>
+                      <c:pt idx="3">
+                        <c:v>3</c:v>
+                      </c:pt>
+                      <c:pt idx="4">
+                        <c:v>4</c:v>
+                      </c:pt>
+                      <c:pt idx="5">
+                        <c:v>5</c:v>
+                      </c:pt>
+                      <c:pt idx="6">
+                        <c:v>6</c:v>
+                      </c:pt>
+                      <c:pt idx="7">
+                        <c:v>7</c:v>
+                      </c:pt>
+                      <c:pt idx="8">
+                        <c:v>8</c:v>
+                      </c:pt>
+                      <c:pt idx="9">
+                        <c:v>9</c:v>
+                      </c:pt>
+                      <c:pt idx="10">
+                        <c:v>10</c:v>
+                      </c:pt>
+                      <c:pt idx="11">
+                        <c:v>11</c:v>
+                      </c:pt>
+                      <c:pt idx="12">
+                        <c:v>12</c:v>
+                      </c:pt>
+                      <c:pt idx="13">
+                        <c:v>13</c:v>
+                      </c:pt>
+                      <c:pt idx="14">
+                        <c:v>14</c:v>
+                      </c:pt>
+                      <c:pt idx="15">
+                        <c:v>15</c:v>
+                      </c:pt>
+                      <c:pt idx="16">
+                        <c:v>16</c:v>
+                      </c:pt>
+                      <c:pt idx="17">
+                        <c:v>17</c:v>
+                      </c:pt>
+                      <c:pt idx="18">
+                        <c:v>18</c:v>
+                      </c:pt>
+                      <c:pt idx="19">
+                        <c:v>19</c:v>
+                      </c:pt>
+                      <c:pt idx="20">
+                        <c:v>20</c:v>
+                      </c:pt>
+                      <c:pt idx="21">
+                        <c:v>21</c:v>
+                      </c:pt>
+                      <c:pt idx="22">
+                        <c:v>22</c:v>
+                      </c:pt>
+                      <c:pt idx="23">
+                        <c:v>23</c:v>
+                      </c:pt>
+                      <c:pt idx="24">
+                        <c:v>24</c:v>
+                      </c:pt>
+                      <c:pt idx="25">
+                        <c:v>25</c:v>
+                      </c:pt>
+                      <c:pt idx="26">
+                        <c:v>26</c:v>
+                      </c:pt>
+                      <c:pt idx="27">
+                        <c:v>27</c:v>
+                      </c:pt>
+                      <c:pt idx="28">
+                        <c:v>28</c:v>
+                      </c:pt>
+                      <c:pt idx="29">
+                        <c:v>29</c:v>
+                      </c:pt>
+                      <c:pt idx="30">
+                        <c:v>30</c:v>
+                      </c:pt>
+                      <c:pt idx="31">
+                        <c:v>31</c:v>
+                      </c:pt>
+                      <c:pt idx="32">
+                        <c:v>32</c:v>
+                      </c:pt>
+                      <c:pt idx="33">
+                        <c:v>33</c:v>
+                      </c:pt>
+                      <c:pt idx="34">
+                        <c:v>34</c:v>
+                      </c:pt>
+                      <c:pt idx="35">
+                        <c:v>35</c:v>
+                      </c:pt>
+                      <c:pt idx="36">
+                        <c:v>36</c:v>
+                      </c:pt>
+                      <c:pt idx="37">
+                        <c:v>37</c:v>
+                      </c:pt>
+                      <c:pt idx="38">
+                        <c:v>38</c:v>
+                      </c:pt>
+                      <c:pt idx="39">
+                        <c:v>39</c:v>
+                      </c:pt>
+                      <c:pt idx="40">
+                        <c:v>40</c:v>
+                      </c:pt>
+                      <c:pt idx="41">
+                        <c:v>41</c:v>
+                      </c:pt>
+                      <c:pt idx="42">
+                        <c:v>42</c:v>
+                      </c:pt>
+                      <c:pt idx="43">
+                        <c:v>43</c:v>
+                      </c:pt>
+                      <c:pt idx="44">
+                        <c:v>44</c:v>
+                      </c:pt>
+                      <c:pt idx="45">
+                        <c:v>45</c:v>
+                      </c:pt>
+                      <c:pt idx="46">
+                        <c:v>46</c:v>
+                      </c:pt>
+                      <c:pt idx="47">
+                        <c:v>47</c:v>
+                      </c:pt>
+                      <c:pt idx="48">
+                        <c:v>48</c:v>
+                      </c:pt>
+                      <c:pt idx="49">
+                        <c:v>49</c:v>
+                      </c:pt>
+                      <c:pt idx="50">
+                        <c:v>50</c:v>
+                      </c:pt>
+                      <c:pt idx="51">
+                        <c:v>51</c:v>
+                      </c:pt>
+                      <c:pt idx="52">
+                        <c:v>52</c:v>
+                      </c:pt>
+                      <c:pt idx="53">
+                        <c:v>53</c:v>
+                      </c:pt>
+                      <c:pt idx="54">
+                        <c:v>54</c:v>
+                      </c:pt>
+                      <c:pt idx="55">
+                        <c:v>55</c:v>
+                      </c:pt>
+                      <c:pt idx="56">
+                        <c:v>56</c:v>
+                      </c:pt>
+                      <c:pt idx="57">
+                        <c:v>57</c:v>
+                      </c:pt>
+                      <c:pt idx="58">
+                        <c:v>58</c:v>
+                      </c:pt>
+                      <c:pt idx="59">
+                        <c:v>59</c:v>
+                      </c:pt>
+                      <c:pt idx="60">
+                        <c:v>60</c:v>
+                      </c:pt>
+                      <c:pt idx="61">
+                        <c:v>61</c:v>
+                      </c:pt>
+                      <c:pt idx="62">
+                        <c:v>62</c:v>
+                      </c:pt>
+                      <c:pt idx="63">
+                        <c:v>63</c:v>
+                      </c:pt>
+                      <c:pt idx="64">
+                        <c:v>64</c:v>
+                      </c:pt>
+                      <c:pt idx="65">
+                        <c:v>65</c:v>
+                      </c:pt>
+                      <c:pt idx="66">
+                        <c:v>66</c:v>
+                      </c:pt>
+                      <c:pt idx="67">
+                        <c:v>67</c:v>
+                      </c:pt>
+                      <c:pt idx="68">
+                        <c:v>68</c:v>
+                      </c:pt>
+                      <c:pt idx="69">
+                        <c:v>69</c:v>
+                      </c:pt>
+                      <c:pt idx="70">
+                        <c:v>70</c:v>
+                      </c:pt>
+                      <c:pt idx="71">
+                        <c:v>71</c:v>
+                      </c:pt>
+                      <c:pt idx="72">
+                        <c:v>72</c:v>
+                      </c:pt>
+                      <c:pt idx="73">
+                        <c:v>73</c:v>
+                      </c:pt>
+                      <c:pt idx="74">
+                        <c:v>74</c:v>
+                      </c:pt>
+                      <c:pt idx="75">
+                        <c:v>75</c:v>
+                      </c:pt>
+                      <c:pt idx="76">
+                        <c:v>76</c:v>
+                      </c:pt>
+                      <c:pt idx="77">
+                        <c:v>77</c:v>
+                      </c:pt>
+                      <c:pt idx="78">
+                        <c:v>78</c:v>
+                      </c:pt>
+                      <c:pt idx="79">
+                        <c:v>79</c:v>
+                      </c:pt>
+                      <c:pt idx="80">
+                        <c:v>80</c:v>
+                      </c:pt>
+                      <c:pt idx="81">
+                        <c:v>81</c:v>
+                      </c:pt>
+                      <c:pt idx="82">
+                        <c:v>82</c:v>
+                      </c:pt>
+                      <c:pt idx="83">
+                        <c:v>83</c:v>
+                      </c:pt>
+                      <c:pt idx="84">
+                        <c:v>84</c:v>
+                      </c:pt>
+                      <c:pt idx="85">
+                        <c:v>85</c:v>
+                      </c:pt>
+                      <c:pt idx="86">
+                        <c:v>86</c:v>
+                      </c:pt>
+                      <c:pt idx="87">
+                        <c:v>87</c:v>
+                      </c:pt>
+                      <c:pt idx="88">
+                        <c:v>88</c:v>
+                      </c:pt>
+                      <c:pt idx="89">
+                        <c:v>89</c:v>
+                      </c:pt>
+                      <c:pt idx="90">
+                        <c:v>90</c:v>
+                      </c:pt>
+                      <c:pt idx="91">
+                        <c:v>91</c:v>
+                      </c:pt>
+                      <c:pt idx="92">
+                        <c:v>92</c:v>
+                      </c:pt>
+                      <c:pt idx="93">
+                        <c:v>93</c:v>
+                      </c:pt>
+                      <c:pt idx="94">
+                        <c:v>94</c:v>
+                      </c:pt>
+                      <c:pt idx="95">
+                        <c:v>95</c:v>
+                      </c:pt>
+                      <c:pt idx="96">
+                        <c:v>96</c:v>
+                      </c:pt>
+                      <c:pt idx="97">
+                        <c:v>97</c:v>
+                      </c:pt>
+                      <c:pt idx="98">
+                        <c:v>98</c:v>
+                      </c:pt>
+                      <c:pt idx="99">
+                        <c:v>99</c:v>
+                      </c:pt>
+                      <c:pt idx="100">
+                        <c:v>100</c:v>
+                      </c:pt>
+                    </c:numCache>
+                  </c:numRef>
+                </c:cat>
+                <c:val>
+                  <c:numRef>
+                    <c:extLst>
+                      <c:ext uri="{02D57815-91ED-43cb-92C2-25804820EDAC}">
+                        <c15:formulaRef>
+                          <c15:sqref>normdist1!$A$1:$A$101</c15:sqref>
+                        </c15:formulaRef>
+                      </c:ext>
+                    </c:extLst>
+                    <c:numCache>
+                      <c:formatCode>General</c:formatCode>
+                      <c:ptCount val="101"/>
+                      <c:pt idx="0">
+                        <c:v>0</c:v>
+                      </c:pt>
+                      <c:pt idx="1">
+                        <c:v>1</c:v>
+                      </c:pt>
+                      <c:pt idx="2">
+                        <c:v>2</c:v>
+                      </c:pt>
+                      <c:pt idx="3">
+                        <c:v>3</c:v>
+                      </c:pt>
+                      <c:pt idx="4">
+                        <c:v>4</c:v>
+                      </c:pt>
+                      <c:pt idx="5">
+                        <c:v>5</c:v>
+                      </c:pt>
+                      <c:pt idx="6">
+                        <c:v>6</c:v>
+                      </c:pt>
+                      <c:pt idx="7">
+                        <c:v>7</c:v>
+                      </c:pt>
+                      <c:pt idx="8">
+                        <c:v>8</c:v>
+                      </c:pt>
+                      <c:pt idx="9">
+                        <c:v>9</c:v>
+                      </c:pt>
+                      <c:pt idx="10">
+                        <c:v>10</c:v>
+                      </c:pt>
+                      <c:pt idx="11">
+                        <c:v>11</c:v>
+                      </c:pt>
+                      <c:pt idx="12">
+                        <c:v>12</c:v>
+                      </c:pt>
+                      <c:pt idx="13">
+                        <c:v>13</c:v>
+                      </c:pt>
+                      <c:pt idx="14">
+                        <c:v>14</c:v>
+                      </c:pt>
+                      <c:pt idx="15">
+                        <c:v>15</c:v>
+                      </c:pt>
+                      <c:pt idx="16">
+                        <c:v>16</c:v>
+                      </c:pt>
+                      <c:pt idx="17">
+                        <c:v>17</c:v>
+                      </c:pt>
+                      <c:pt idx="18">
+                        <c:v>18</c:v>
+                      </c:pt>
+                      <c:pt idx="19">
+                        <c:v>19</c:v>
+                      </c:pt>
+                      <c:pt idx="20">
+                        <c:v>20</c:v>
+                      </c:pt>
+                      <c:pt idx="21">
+                        <c:v>21</c:v>
+                      </c:pt>
+                      <c:pt idx="22">
+                        <c:v>22</c:v>
+                      </c:pt>
+                      <c:pt idx="23">
+                        <c:v>23</c:v>
+                      </c:pt>
+                      <c:pt idx="24">
+                        <c:v>24</c:v>
+                      </c:pt>
+                      <c:pt idx="25">
+                        <c:v>25</c:v>
+                      </c:pt>
+                      <c:pt idx="26">
+                        <c:v>26</c:v>
+                      </c:pt>
+                      <c:pt idx="27">
+                        <c:v>27</c:v>
+                      </c:pt>
+                      <c:pt idx="28">
+                        <c:v>28</c:v>
+                      </c:pt>
+                      <c:pt idx="29">
+                        <c:v>29</c:v>
+                      </c:pt>
+                      <c:pt idx="30">
+                        <c:v>30</c:v>
+                      </c:pt>
+                      <c:pt idx="31">
+                        <c:v>31</c:v>
+                      </c:pt>
+                      <c:pt idx="32">
+                        <c:v>32</c:v>
+                      </c:pt>
+                      <c:pt idx="33">
+                        <c:v>33</c:v>
+                      </c:pt>
+                      <c:pt idx="34">
+                        <c:v>34</c:v>
+                      </c:pt>
+                      <c:pt idx="35">
+                        <c:v>35</c:v>
+                      </c:pt>
+                      <c:pt idx="36">
+                        <c:v>36</c:v>
+                      </c:pt>
+                      <c:pt idx="37">
+                        <c:v>37</c:v>
+                      </c:pt>
+                      <c:pt idx="38">
+                        <c:v>38</c:v>
+                      </c:pt>
+                      <c:pt idx="39">
+                        <c:v>39</c:v>
+                      </c:pt>
+                      <c:pt idx="40">
+                        <c:v>40</c:v>
+                      </c:pt>
+                      <c:pt idx="41">
+                        <c:v>41</c:v>
+                      </c:pt>
+                      <c:pt idx="42">
+                        <c:v>42</c:v>
+                      </c:pt>
+                      <c:pt idx="43">
+                        <c:v>43</c:v>
+                      </c:pt>
+                      <c:pt idx="44">
+                        <c:v>44</c:v>
+                      </c:pt>
+                      <c:pt idx="45">
+                        <c:v>45</c:v>
+                      </c:pt>
+                      <c:pt idx="46">
+                        <c:v>46</c:v>
+                      </c:pt>
+                      <c:pt idx="47">
+                        <c:v>47</c:v>
+                      </c:pt>
+                      <c:pt idx="48">
+                        <c:v>48</c:v>
+                      </c:pt>
+                      <c:pt idx="49">
+                        <c:v>49</c:v>
+                      </c:pt>
+                      <c:pt idx="50">
+                        <c:v>50</c:v>
+                      </c:pt>
+                      <c:pt idx="51">
+                        <c:v>51</c:v>
+                      </c:pt>
+                      <c:pt idx="52">
+                        <c:v>52</c:v>
+                      </c:pt>
+                      <c:pt idx="53">
+                        <c:v>53</c:v>
+                      </c:pt>
+                      <c:pt idx="54">
+                        <c:v>54</c:v>
+                      </c:pt>
+                      <c:pt idx="55">
+                        <c:v>55</c:v>
+                      </c:pt>
+                      <c:pt idx="56">
+                        <c:v>56</c:v>
+                      </c:pt>
+                      <c:pt idx="57">
+                        <c:v>57</c:v>
+                      </c:pt>
+                      <c:pt idx="58">
+                        <c:v>58</c:v>
+                      </c:pt>
+                      <c:pt idx="59">
+                        <c:v>59</c:v>
+                      </c:pt>
+                      <c:pt idx="60">
+                        <c:v>60</c:v>
+                      </c:pt>
+                      <c:pt idx="61">
+                        <c:v>61</c:v>
+                      </c:pt>
+                      <c:pt idx="62">
+                        <c:v>62</c:v>
+                      </c:pt>
+                      <c:pt idx="63">
+                        <c:v>63</c:v>
+                      </c:pt>
+                      <c:pt idx="64">
+                        <c:v>64</c:v>
+                      </c:pt>
+                      <c:pt idx="65">
+                        <c:v>65</c:v>
+                      </c:pt>
+                      <c:pt idx="66">
+                        <c:v>66</c:v>
+                      </c:pt>
+                      <c:pt idx="67">
+                        <c:v>67</c:v>
+                      </c:pt>
+                      <c:pt idx="68">
+                        <c:v>68</c:v>
+                      </c:pt>
+                      <c:pt idx="69">
+                        <c:v>69</c:v>
+                      </c:pt>
+                      <c:pt idx="70">
+                        <c:v>70</c:v>
+                      </c:pt>
+                      <c:pt idx="71">
+                        <c:v>71</c:v>
+                      </c:pt>
+                      <c:pt idx="72">
+                        <c:v>72</c:v>
+                      </c:pt>
+                      <c:pt idx="73">
+                        <c:v>73</c:v>
+                      </c:pt>
+                      <c:pt idx="74">
+                        <c:v>74</c:v>
+                      </c:pt>
+                      <c:pt idx="75">
+                        <c:v>75</c:v>
+                      </c:pt>
+                      <c:pt idx="76">
+                        <c:v>76</c:v>
+                      </c:pt>
+                      <c:pt idx="77">
+                        <c:v>77</c:v>
+                      </c:pt>
+                      <c:pt idx="78">
+                        <c:v>78</c:v>
+                      </c:pt>
+                      <c:pt idx="79">
+                        <c:v>79</c:v>
+                      </c:pt>
+                      <c:pt idx="80">
+                        <c:v>80</c:v>
+                      </c:pt>
+                      <c:pt idx="81">
+                        <c:v>81</c:v>
+                      </c:pt>
+                      <c:pt idx="82">
+                        <c:v>82</c:v>
+                      </c:pt>
+                      <c:pt idx="83">
+                        <c:v>83</c:v>
+                      </c:pt>
+                      <c:pt idx="84">
+                        <c:v>84</c:v>
+                      </c:pt>
+                      <c:pt idx="85">
+                        <c:v>85</c:v>
+                      </c:pt>
+                      <c:pt idx="86">
+                        <c:v>86</c:v>
+                      </c:pt>
+                      <c:pt idx="87">
+                        <c:v>87</c:v>
+                      </c:pt>
+                      <c:pt idx="88">
+                        <c:v>88</c:v>
+                      </c:pt>
+                      <c:pt idx="89">
+                        <c:v>89</c:v>
+                      </c:pt>
+                      <c:pt idx="90">
+                        <c:v>90</c:v>
+                      </c:pt>
+                      <c:pt idx="91">
+                        <c:v>91</c:v>
+                      </c:pt>
+                      <c:pt idx="92">
+                        <c:v>92</c:v>
+                      </c:pt>
+                      <c:pt idx="93">
+                        <c:v>93</c:v>
+                      </c:pt>
+                      <c:pt idx="94">
+                        <c:v>94</c:v>
+                      </c:pt>
+                      <c:pt idx="95">
+                        <c:v>95</c:v>
+                      </c:pt>
+                      <c:pt idx="96">
+                        <c:v>96</c:v>
+                      </c:pt>
+                      <c:pt idx="97">
+                        <c:v>97</c:v>
+                      </c:pt>
+                      <c:pt idx="98">
+                        <c:v>98</c:v>
+                      </c:pt>
+                      <c:pt idx="99">
+                        <c:v>99</c:v>
+                      </c:pt>
+                      <c:pt idx="100">
+                        <c:v>100</c:v>
+                      </c:pt>
+                    </c:numCache>
+                  </c:numRef>
+                </c:val>
+                <c:smooth val="0"/>
+                <c:extLst>
+                  <c:ext xmlns:c16="http://schemas.microsoft.com/office/drawing/2014/chart" uri="{C3380CC4-5D6E-409C-BE32-E72D297353CC}">
+                    <c16:uniqueId val="{00000001-4C25-4D7C-B972-B2E7597BE6C7}"/>
+                  </c:ext>
+                </c:extLst>
+              </c15:ser>
+            </c15:filteredLineSeries>
+          </c:ext>
+        </c:extLst>
+      </c:lineChart>
+      <c:catAx>
+        <c:axId val="580191791"/>
+        <c:scaling>
+          <c:orientation val="minMax"/>
+        </c:scaling>
+        <c:delete val="0"/>
+        <c:axPos val="b"/>
+        <c:numFmt formatCode="General" sourceLinked="1"/>
+        <c:majorTickMark val="none"/>
+        <c:minorTickMark val="none"/>
+        <c:tickLblPos val="nextTo"/>
+        <c:spPr>
+          <a:noFill/>
+          <a:ln w="9525" cap="flat" cmpd="sng" algn="ctr">
+            <a:solidFill>
+              <a:schemeClr val="tx1">
+                <a:lumMod val="15000"/>
+                <a:lumOff val="85000"/>
+              </a:schemeClr>
+            </a:solidFill>
+            <a:round/>
+          </a:ln>
+          <a:effectLst/>
+        </c:spPr>
+        <c:txPr>
+          <a:bodyPr rot="-60000000" spcFirstLastPara="1" vertOverflow="ellipsis" vert="horz" wrap="square" anchor="ctr" anchorCtr="1"/>
+          <a:lstStyle/>
+          <a:p>
+            <a:pPr>
+              <a:defRPr sz="900" b="0" i="0" u="none" strike="noStrike" kern="1200" baseline="0">
+                <a:solidFill>
+                  <a:schemeClr val="tx1">
+                    <a:lumMod val="65000"/>
+                    <a:lumOff val="35000"/>
+                  </a:schemeClr>
+                </a:solidFill>
+                <a:latin typeface="+mn-lt"/>
+                <a:ea typeface="+mn-ea"/>
+                <a:cs typeface="+mn-cs"/>
+              </a:defRPr>
+            </a:pPr>
+            <a:endParaRPr lang="ja-JP"/>
+          </a:p>
+        </c:txPr>
+        <c:crossAx val="580189295"/>
+        <c:crosses val="autoZero"/>
+        <c:auto val="1"/>
+        <c:lblAlgn val="ctr"/>
+        <c:lblOffset val="100"/>
+        <c:tickLblSkip val="10"/>
+        <c:tickMarkSkip val="10"/>
+        <c:noMultiLvlLbl val="0"/>
+      </c:catAx>
+      <c:valAx>
+        <c:axId val="580189295"/>
+        <c:scaling>
+          <c:orientation val="minMax"/>
+          <c:max val="1"/>
+        </c:scaling>
+        <c:delete val="0"/>
+        <c:axPos val="l"/>
+        <c:majorGridlines>
+          <c:spPr>
+            <a:ln w="9525" cap="flat" cmpd="sng" algn="ctr">
+              <a:solidFill>
+                <a:schemeClr val="tx1">
+                  <a:lumMod val="15000"/>
+                  <a:lumOff val="85000"/>
+                </a:schemeClr>
+              </a:solidFill>
+              <a:round/>
+            </a:ln>
+            <a:effectLst/>
+          </c:spPr>
+        </c:majorGridlines>
+        <c:numFmt formatCode="General" sourceLinked="1"/>
+        <c:majorTickMark val="none"/>
+        <c:minorTickMark val="none"/>
+        <c:tickLblPos val="nextTo"/>
+        <c:spPr>
+          <a:noFill/>
+          <a:ln>
+            <a:noFill/>
+          </a:ln>
+          <a:effectLst/>
+        </c:spPr>
+        <c:txPr>
+          <a:bodyPr rot="-60000000" spcFirstLastPara="1" vertOverflow="ellipsis" vert="horz" wrap="square" anchor="ctr" anchorCtr="1"/>
+          <a:lstStyle/>
+          <a:p>
+            <a:pPr>
+              <a:defRPr sz="900" b="0" i="0" u="none" strike="noStrike" kern="1200" baseline="0">
+                <a:solidFill>
+                  <a:schemeClr val="tx1">
+                    <a:lumMod val="65000"/>
+                    <a:lumOff val="35000"/>
+                  </a:schemeClr>
+                </a:solidFill>
+                <a:latin typeface="+mn-lt"/>
+                <a:ea typeface="+mn-ea"/>
+                <a:cs typeface="+mn-cs"/>
+              </a:defRPr>
+            </a:pPr>
+            <a:endParaRPr lang="ja-JP"/>
+          </a:p>
+        </c:txPr>
+        <c:crossAx val="580191791"/>
+        <c:crosses val="autoZero"/>
+        <c:crossBetween val="between"/>
+        <c:minorUnit val="0.2"/>
+      </c:valAx>
+      <c:spPr>
+        <a:noFill/>
+        <a:ln>
+          <a:noFill/>
+        </a:ln>
+        <a:effectLst/>
+      </c:spPr>
+    </c:plotArea>
+    <c:plotVisOnly val="1"/>
+    <c:dispBlanksAs val="zero"/>
+    <c:extLst>
+      <c:ext xmlns:c16r3="http://schemas.microsoft.com/office/drawing/2017/03/chart" uri="{56B9EC1D-385E-4148-901F-78D8002777C0}">
+        <c16r3:dataDisplayOptions16>
+          <c16r3:dispNaAsBlank val="1"/>
+        </c16r3:dataDisplayOptions16>
+      </c:ext>
+    </c:extLst>
+    <c:showDLblsOverMax val="0"/>
+  </c:chart>
+  <c:spPr>
+    <a:noFill/>
+    <a:ln>
+      <a:noFill/>
+    </a:ln>
+    <a:effectLst/>
+  </c:spPr>
+  <c:txPr>
+    <a:bodyPr/>
+    <a:lstStyle/>
+    <a:p>
+      <a:pPr>
+        <a:defRPr/>
+      </a:pPr>
+      <a:endParaRPr lang="ja-JP"/>
+    </a:p>
+  </c:txPr>
+  <c:externalData r:id="rId3">
+    <c:autoUpdate val="0"/>
+  </c:externalData>
+</c:chartSpace>
+</file>
+
+<file path=ppt/charts/chart2.xml><?xml version="1.0" encoding="utf-8"?>
+<c:chartSpace xmlns:c="http://schemas.openxmlformats.org/drawingml/2006/chart" xmlns:a="http://schemas.openxmlformats.org/drawingml/2006/main" xmlns:r="http://schemas.openxmlformats.org/officeDocument/2006/relationships" xmlns:c16r2="http://schemas.microsoft.com/office/drawing/2015/06/chart">
+  <c:date1904 val="0"/>
+  <c:lang val="ja-JP"/>
+  <c:roundedCorners val="0"/>
+  <mc:AlternateContent xmlns:mc="http://schemas.openxmlformats.org/markup-compatibility/2006">
+    <mc:Choice xmlns:c14="http://schemas.microsoft.com/office/drawing/2007/8/2/chart" Requires="c14">
+      <c14:style val="102"/>
+    </mc:Choice>
+    <mc:Fallback>
+      <c:style val="2"/>
+    </mc:Fallback>
+  </mc:AlternateContent>
+  <c:chart>
+    <c:autoTitleDeleted val="1"/>
+    <c:plotArea>
+      <c:layout>
+        <c:manualLayout>
+          <c:layoutTarget val="inner"/>
+          <c:xMode val="edge"/>
+          <c:yMode val="edge"/>
+          <c:x val="0.15421829955681771"/>
+          <c:y val="0.15758956854531114"/>
+          <c:w val="0.89655796150481193"/>
+          <c:h val="0.67905912802566348"/>
+        </c:manualLayout>
+      </c:layout>
+      <c:lineChart>
+        <c:grouping val="stacked"/>
+        <c:varyColors val="0"/>
+        <c:ser>
+          <c:idx val="1"/>
+          <c:order val="1"/>
+          <c:spPr>
+            <a:ln w="28575" cap="rnd">
+              <a:solidFill>
+                <a:schemeClr val="accent2"/>
+              </a:solidFill>
+              <a:round/>
+            </a:ln>
+            <a:effectLst/>
+          </c:spPr>
+          <c:marker>
+            <c:symbol val="none"/>
+          </c:marker>
+          <c:cat>
+            <c:numRef>
+              <c:f>normdist1!$A$1:$A$101</c:f>
+              <c:numCache>
+                <c:formatCode>General</c:formatCode>
+                <c:ptCount val="101"/>
+                <c:pt idx="0">
+                  <c:v>0</c:v>
+                </c:pt>
+                <c:pt idx="1">
+                  <c:v>1</c:v>
+                </c:pt>
+                <c:pt idx="2">
+                  <c:v>2</c:v>
+                </c:pt>
+                <c:pt idx="3">
+                  <c:v>3</c:v>
+                </c:pt>
+                <c:pt idx="4">
+                  <c:v>4</c:v>
+                </c:pt>
+                <c:pt idx="5">
+                  <c:v>5</c:v>
+                </c:pt>
+                <c:pt idx="6">
+                  <c:v>6</c:v>
+                </c:pt>
+                <c:pt idx="7">
+                  <c:v>7</c:v>
+                </c:pt>
+                <c:pt idx="8">
+                  <c:v>8</c:v>
+                </c:pt>
+                <c:pt idx="9">
+                  <c:v>9</c:v>
+                </c:pt>
+                <c:pt idx="10">
+                  <c:v>10</c:v>
+                </c:pt>
+                <c:pt idx="11">
+                  <c:v>11</c:v>
+                </c:pt>
+                <c:pt idx="12">
+                  <c:v>12</c:v>
+                </c:pt>
+                <c:pt idx="13">
+                  <c:v>13</c:v>
+                </c:pt>
+                <c:pt idx="14">
+                  <c:v>14</c:v>
+                </c:pt>
+                <c:pt idx="15">
+                  <c:v>15</c:v>
+                </c:pt>
+                <c:pt idx="16">
+                  <c:v>16</c:v>
+                </c:pt>
+                <c:pt idx="17">
+                  <c:v>17</c:v>
+                </c:pt>
+                <c:pt idx="18">
+                  <c:v>18</c:v>
+                </c:pt>
+                <c:pt idx="19">
+                  <c:v>19</c:v>
+                </c:pt>
+                <c:pt idx="20">
+                  <c:v>20</c:v>
+                </c:pt>
+                <c:pt idx="21">
+                  <c:v>21</c:v>
+                </c:pt>
+                <c:pt idx="22">
+                  <c:v>22</c:v>
+                </c:pt>
+                <c:pt idx="23">
+                  <c:v>23</c:v>
+                </c:pt>
+                <c:pt idx="24">
+                  <c:v>24</c:v>
+                </c:pt>
+                <c:pt idx="25">
+                  <c:v>25</c:v>
+                </c:pt>
+                <c:pt idx="26">
+                  <c:v>26</c:v>
+                </c:pt>
+                <c:pt idx="27">
+                  <c:v>27</c:v>
+                </c:pt>
+                <c:pt idx="28">
+                  <c:v>28</c:v>
+                </c:pt>
+                <c:pt idx="29">
+                  <c:v>29</c:v>
+                </c:pt>
+                <c:pt idx="30">
+                  <c:v>30</c:v>
+                </c:pt>
+                <c:pt idx="31">
+                  <c:v>31</c:v>
+                </c:pt>
+                <c:pt idx="32">
+                  <c:v>32</c:v>
+                </c:pt>
+                <c:pt idx="33">
+                  <c:v>33</c:v>
+                </c:pt>
+                <c:pt idx="34">
+                  <c:v>34</c:v>
+                </c:pt>
+                <c:pt idx="35">
+                  <c:v>35</c:v>
+                </c:pt>
+                <c:pt idx="36">
+                  <c:v>36</c:v>
+                </c:pt>
+                <c:pt idx="37">
+                  <c:v>37</c:v>
+                </c:pt>
+                <c:pt idx="38">
+                  <c:v>38</c:v>
+                </c:pt>
+                <c:pt idx="39">
+                  <c:v>39</c:v>
+                </c:pt>
+                <c:pt idx="40">
+                  <c:v>40</c:v>
+                </c:pt>
+                <c:pt idx="41">
+                  <c:v>41</c:v>
+                </c:pt>
+                <c:pt idx="42">
+                  <c:v>42</c:v>
+                </c:pt>
+                <c:pt idx="43">
+                  <c:v>43</c:v>
+                </c:pt>
+                <c:pt idx="44">
+                  <c:v>44</c:v>
+                </c:pt>
+                <c:pt idx="45">
+                  <c:v>45</c:v>
+                </c:pt>
+                <c:pt idx="46">
+                  <c:v>46</c:v>
+                </c:pt>
+                <c:pt idx="47">
+                  <c:v>47</c:v>
+                </c:pt>
+                <c:pt idx="48">
+                  <c:v>48</c:v>
+                </c:pt>
+                <c:pt idx="49">
+                  <c:v>49</c:v>
+                </c:pt>
+                <c:pt idx="50">
+                  <c:v>50</c:v>
+                </c:pt>
+                <c:pt idx="51">
+                  <c:v>51</c:v>
+                </c:pt>
+                <c:pt idx="52">
+                  <c:v>52</c:v>
+                </c:pt>
+                <c:pt idx="53">
+                  <c:v>53</c:v>
+                </c:pt>
+                <c:pt idx="54">
+                  <c:v>54</c:v>
+                </c:pt>
+                <c:pt idx="55">
+                  <c:v>55</c:v>
+                </c:pt>
+                <c:pt idx="56">
+                  <c:v>56</c:v>
+                </c:pt>
+                <c:pt idx="57">
+                  <c:v>57</c:v>
+                </c:pt>
+                <c:pt idx="58">
+                  <c:v>58</c:v>
+                </c:pt>
+                <c:pt idx="59">
+                  <c:v>59</c:v>
+                </c:pt>
+                <c:pt idx="60">
+                  <c:v>60</c:v>
+                </c:pt>
+                <c:pt idx="61">
+                  <c:v>61</c:v>
+                </c:pt>
+                <c:pt idx="62">
+                  <c:v>62</c:v>
+                </c:pt>
+                <c:pt idx="63">
+                  <c:v>63</c:v>
+                </c:pt>
+                <c:pt idx="64">
+                  <c:v>64</c:v>
+                </c:pt>
+                <c:pt idx="65">
+                  <c:v>65</c:v>
+                </c:pt>
+                <c:pt idx="66">
+                  <c:v>66</c:v>
+                </c:pt>
+                <c:pt idx="67">
+                  <c:v>67</c:v>
+                </c:pt>
+                <c:pt idx="68">
+                  <c:v>68</c:v>
+                </c:pt>
+                <c:pt idx="69">
+                  <c:v>69</c:v>
+                </c:pt>
+                <c:pt idx="70">
+                  <c:v>70</c:v>
+                </c:pt>
+                <c:pt idx="71">
+                  <c:v>71</c:v>
+                </c:pt>
+                <c:pt idx="72">
+                  <c:v>72</c:v>
+                </c:pt>
+                <c:pt idx="73">
+                  <c:v>73</c:v>
+                </c:pt>
+                <c:pt idx="74">
+                  <c:v>74</c:v>
+                </c:pt>
+                <c:pt idx="75">
+                  <c:v>75</c:v>
+                </c:pt>
+                <c:pt idx="76">
+                  <c:v>76</c:v>
+                </c:pt>
+                <c:pt idx="77">
+                  <c:v>77</c:v>
+                </c:pt>
+                <c:pt idx="78">
+                  <c:v>78</c:v>
+                </c:pt>
+                <c:pt idx="79">
+                  <c:v>79</c:v>
+                </c:pt>
+                <c:pt idx="80">
+                  <c:v>80</c:v>
+                </c:pt>
+                <c:pt idx="81">
+                  <c:v>81</c:v>
+                </c:pt>
+                <c:pt idx="82">
+                  <c:v>82</c:v>
+                </c:pt>
+                <c:pt idx="83">
+                  <c:v>83</c:v>
+                </c:pt>
+                <c:pt idx="84">
+                  <c:v>84</c:v>
+                </c:pt>
+                <c:pt idx="85">
+                  <c:v>85</c:v>
+                </c:pt>
+                <c:pt idx="86">
+                  <c:v>86</c:v>
+                </c:pt>
+                <c:pt idx="87">
+                  <c:v>87</c:v>
+                </c:pt>
+                <c:pt idx="88">
+                  <c:v>88</c:v>
+                </c:pt>
+                <c:pt idx="89">
+                  <c:v>89</c:v>
+                </c:pt>
+                <c:pt idx="90">
+                  <c:v>90</c:v>
+                </c:pt>
+                <c:pt idx="91">
+                  <c:v>91</c:v>
+                </c:pt>
+                <c:pt idx="92">
+                  <c:v>92</c:v>
+                </c:pt>
+                <c:pt idx="93">
+                  <c:v>93</c:v>
+                </c:pt>
+                <c:pt idx="94">
+                  <c:v>94</c:v>
+                </c:pt>
+                <c:pt idx="95">
+                  <c:v>95</c:v>
+                </c:pt>
+                <c:pt idx="96">
+                  <c:v>96</c:v>
+                </c:pt>
+                <c:pt idx="97">
+                  <c:v>97</c:v>
+                </c:pt>
+                <c:pt idx="98">
+                  <c:v>98</c:v>
+                </c:pt>
+                <c:pt idx="99">
+                  <c:v>99</c:v>
+                </c:pt>
+                <c:pt idx="100">
+                  <c:v>100</c:v>
+                </c:pt>
+              </c:numCache>
+            </c:numRef>
+          </c:cat>
+          <c:val>
+            <c:numRef>
+              <c:f>normdist1!$B$1:$B$101</c:f>
+              <c:numCache>
+                <c:formatCode>General</c:formatCode>
+                <c:ptCount val="101"/>
+                <c:pt idx="0">
+                  <c:v>3.7266531720786709E-6</c:v>
+                </c:pt>
+                <c:pt idx="1">
+                  <c:v>6.1135679663714022E-6</c:v>
+                </c:pt>
+                <c:pt idx="2">
+                  <c:v>9.9295043058510811E-6</c:v>
+                </c:pt>
+                <c:pt idx="3">
+                  <c:v>1.5966783897804747E-5</c:v>
+                </c:pt>
+                <c:pt idx="4">
+                  <c:v>2.5419346516199247E-5</c:v>
+                </c:pt>
+                <c:pt idx="5">
+                  <c:v>4.0065297392951069E-5</c:v>
+                </c:pt>
+                <c:pt idx="6">
+                  <c:v>6.252150377482026E-5</c:v>
+                </c:pt>
+                <c:pt idx="7">
+                  <c:v>9.6593413722183833E-5</c:v>
+                </c:pt>
+                <c:pt idx="8">
+                  <c:v>1.4774836023203364E-4</c:v>
+                </c:pt>
+                <c:pt idx="9">
+                  <c:v>2.2374579372062055E-4</c:v>
+                </c:pt>
+                <c:pt idx="10">
+                  <c:v>3.3546262790251185E-4</c:v>
+                </c:pt>
+                <c:pt idx="11">
+                  <c:v>4.9795542150327349E-4</c:v>
+                </c:pt>
+                <c:pt idx="12">
+                  <c:v>7.3180241888047277E-4</c:v>
+                </c:pt>
+                <c:pt idx="13">
+                  <c:v>1.0647662366679205E-3</c:v>
+                </c:pt>
+                <c:pt idx="14">
+                  <c:v>1.533810679324463E-3</c:v>
+                </c:pt>
+                <c:pt idx="15">
+                  <c:v>2.1874911181828851E-3</c:v>
+                </c:pt>
+                <c:pt idx="16">
+                  <c:v>3.0887154082367687E-3</c:v>
+                </c:pt>
+                <c:pt idx="17">
+                  <c:v>4.3178400076330781E-3</c:v>
+                </c:pt>
+                <c:pt idx="18">
+                  <c:v>5.9760228950059427E-3</c:v>
+                </c:pt>
+                <c:pt idx="19">
+                  <c:v>8.1887010143740831E-3</c:v>
+                </c:pt>
+                <c:pt idx="20">
+                  <c:v>1.1108996538242306E-2</c:v>
+                </c:pt>
+                <c:pt idx="21">
+                  <c:v>1.4920786069067842E-2</c:v>
+                </c:pt>
+                <c:pt idx="22">
+                  <c:v>1.9841094744370288E-2</c:v>
+                </c:pt>
+                <c:pt idx="23">
+                  <c:v>2.6121409853918233E-2</c:v>
+                </c:pt>
+                <c:pt idx="24">
+                  <c:v>3.4047454734599344E-2</c:v>
+                </c:pt>
+                <c:pt idx="25">
+                  <c:v>4.393693362340742E-2</c:v>
+                </c:pt>
+                <c:pt idx="26">
+                  <c:v>5.6134762834133725E-2</c:v>
+                </c:pt>
+                <c:pt idx="27">
+                  <c:v>7.1005353739636984E-2</c:v>
+                </c:pt>
+                <c:pt idx="28">
+                  <c:v>8.8921617459386343E-2</c:v>
+                </c:pt>
+                <c:pt idx="29">
+                  <c:v>0.11025052530448522</c:v>
+                </c:pt>
+                <c:pt idx="30">
+                  <c:v>0.1353352832366127</c:v>
+                </c:pt>
+                <c:pt idx="31">
+                  <c:v>0.1644744565771549</c:v>
+                </c:pt>
+                <c:pt idx="32">
+                  <c:v>0.19789869908361465</c:v>
+                </c:pt>
+                <c:pt idx="33">
+                  <c:v>0.23574607655586352</c:v>
+                </c:pt>
+                <c:pt idx="34">
+                  <c:v>0.27803730045319414</c:v>
+                </c:pt>
+                <c:pt idx="35">
+                  <c:v>0.32465246735834974</c:v>
+                </c:pt>
+                <c:pt idx="36">
+                  <c:v>0.37531109885139957</c:v>
+                </c:pt>
+                <c:pt idx="37">
+                  <c:v>0.42955735821073915</c:v>
+                </c:pt>
+                <c:pt idx="38">
+                  <c:v>0.48675225595997168</c:v>
+                </c:pt>
+                <c:pt idx="39">
+                  <c:v>0.5460744266397094</c:v>
+                </c:pt>
+                <c:pt idx="40">
+                  <c:v>0.60653065971263342</c:v>
+                </c:pt>
+                <c:pt idx="41">
+                  <c:v>0.66697681085847438</c:v>
+                </c:pt>
+                <c:pt idx="42">
+                  <c:v>0.72614903707369094</c:v>
+                </c:pt>
+                <c:pt idx="43">
+                  <c:v>0.78270453824186814</c:v>
+                </c:pt>
+                <c:pt idx="44">
+                  <c:v>0.835270211411272</c:v>
+                </c:pt>
+                <c:pt idx="45">
+                  <c:v>0.88249690258459546</c:v>
+                </c:pt>
+                <c:pt idx="46">
+                  <c:v>0.92311634638663576</c:v>
+                </c:pt>
+                <c:pt idx="47">
+                  <c:v>0.95599748183309996</c:v>
+                </c:pt>
+                <c:pt idx="48">
+                  <c:v>0.98019867330675525</c:v>
+                </c:pt>
+                <c:pt idx="49">
+                  <c:v>0.99501247919268232</c:v>
+                </c:pt>
+                <c:pt idx="50">
+                  <c:v>1</c:v>
+                </c:pt>
+                <c:pt idx="51">
+                  <c:v>0.99501247919268232</c:v>
+                </c:pt>
+                <c:pt idx="52">
+                  <c:v>0.98019867330675525</c:v>
+                </c:pt>
+                <c:pt idx="53">
+                  <c:v>0.95599748183309996</c:v>
+                </c:pt>
+                <c:pt idx="54">
+                  <c:v>0.92311634638663576</c:v>
+                </c:pt>
+                <c:pt idx="55">
+                  <c:v>0.88249690258459546</c:v>
+                </c:pt>
+                <c:pt idx="56">
+                  <c:v>0.835270211411272</c:v>
+                </c:pt>
+                <c:pt idx="57">
+                  <c:v>0.78270453824186814</c:v>
+                </c:pt>
+                <c:pt idx="58">
+                  <c:v>0.72614903707369094</c:v>
+                </c:pt>
+                <c:pt idx="59">
+                  <c:v>0.66697681085847438</c:v>
+                </c:pt>
+                <c:pt idx="60">
+                  <c:v>0.60653065971263342</c:v>
+                </c:pt>
+                <c:pt idx="61">
+                  <c:v>0.5460744266397094</c:v>
+                </c:pt>
+                <c:pt idx="62">
+                  <c:v>0.48675225595997168</c:v>
+                </c:pt>
+                <c:pt idx="63">
+                  <c:v>0.42955735821073915</c:v>
+                </c:pt>
+                <c:pt idx="64">
+                  <c:v>0.37531109885139957</c:v>
+                </c:pt>
+                <c:pt idx="65">
+                  <c:v>0.32465246735834974</c:v>
+                </c:pt>
+                <c:pt idx="66">
+                  <c:v>0.27803730045319414</c:v>
+                </c:pt>
+                <c:pt idx="67">
+                  <c:v>0.23574607655586352</c:v>
+                </c:pt>
+                <c:pt idx="68">
+                  <c:v>0.19789869908361465</c:v>
+                </c:pt>
+                <c:pt idx="69">
+                  <c:v>0.1644744565771549</c:v>
+                </c:pt>
+                <c:pt idx="70">
+                  <c:v>0.1353352832366127</c:v>
+                </c:pt>
+                <c:pt idx="71">
+                  <c:v>0.11025052530448522</c:v>
+                </c:pt>
+                <c:pt idx="72">
+                  <c:v>8.8921617459386343E-2</c:v>
+                </c:pt>
+                <c:pt idx="73">
+                  <c:v>7.1005353739636984E-2</c:v>
+                </c:pt>
+                <c:pt idx="74">
+                  <c:v>5.6134762834133725E-2</c:v>
+                </c:pt>
+                <c:pt idx="75">
+                  <c:v>4.393693362340742E-2</c:v>
+                </c:pt>
+                <c:pt idx="76">
+                  <c:v>3.4047454734599344E-2</c:v>
+                </c:pt>
+                <c:pt idx="77">
+                  <c:v>2.6121409853918233E-2</c:v>
+                </c:pt>
+                <c:pt idx="78">
+                  <c:v>1.9841094744370288E-2</c:v>
+                </c:pt>
+                <c:pt idx="79">
+                  <c:v>1.4920786069067842E-2</c:v>
+                </c:pt>
+                <c:pt idx="80">
+                  <c:v>1.1108996538242306E-2</c:v>
+                </c:pt>
+                <c:pt idx="81">
+                  <c:v>8.1887010143740831E-3</c:v>
+                </c:pt>
+                <c:pt idx="82">
+                  <c:v>5.9760228950059427E-3</c:v>
+                </c:pt>
+                <c:pt idx="83">
+                  <c:v>4.3178400076330781E-3</c:v>
+                </c:pt>
+                <c:pt idx="84">
+                  <c:v>3.0887154082367687E-3</c:v>
+                </c:pt>
+                <c:pt idx="85">
+                  <c:v>2.1874911181828851E-3</c:v>
+                </c:pt>
+                <c:pt idx="86">
+                  <c:v>1.533810679324463E-3</c:v>
+                </c:pt>
+                <c:pt idx="87">
+                  <c:v>1.0647662366679205E-3</c:v>
+                </c:pt>
+                <c:pt idx="88">
+                  <c:v>7.3180241888047277E-4</c:v>
+                </c:pt>
+                <c:pt idx="89">
+                  <c:v>4.9795542150327349E-4</c:v>
+                </c:pt>
+                <c:pt idx="90">
+                  <c:v>3.3546262790251185E-4</c:v>
+                </c:pt>
+                <c:pt idx="91">
+                  <c:v>2.2374579372062055E-4</c:v>
+                </c:pt>
+                <c:pt idx="92">
+                  <c:v>1.4774836023203364E-4</c:v>
+                </c:pt>
+                <c:pt idx="93">
+                  <c:v>9.6593413722183833E-5</c:v>
+                </c:pt>
+                <c:pt idx="94">
+                  <c:v>6.252150377482026E-5</c:v>
+                </c:pt>
+                <c:pt idx="95">
+                  <c:v>4.0065297392951069E-5</c:v>
+                </c:pt>
+                <c:pt idx="96">
+                  <c:v>2.5419346516199247E-5</c:v>
+                </c:pt>
+                <c:pt idx="97">
+                  <c:v>1.5966783897804747E-5</c:v>
+                </c:pt>
+                <c:pt idx="98">
+                  <c:v>9.9295043058510811E-6</c:v>
+                </c:pt>
+                <c:pt idx="99">
+                  <c:v>6.1135679663714022E-6</c:v>
+                </c:pt>
+                <c:pt idx="100">
+                  <c:v>3.7266531720786709E-6</c:v>
+                </c:pt>
+              </c:numCache>
+            </c:numRef>
+          </c:val>
+          <c:smooth val="0"/>
+          <c:extLst>
+            <c:ext xmlns:c16="http://schemas.microsoft.com/office/drawing/2014/chart" uri="{C3380CC4-5D6E-409C-BE32-E72D297353CC}">
+              <c16:uniqueId val="{00000000-390B-415C-A246-FBB6DA1BA356}"/>
+            </c:ext>
+          </c:extLst>
+        </c:ser>
+        <c:dLbls>
+          <c:showLegendKey val="0"/>
+          <c:showVal val="0"/>
+          <c:showCatName val="0"/>
+          <c:showSerName val="0"/>
+          <c:showPercent val="0"/>
+          <c:showBubbleSize val="0"/>
+        </c:dLbls>
+        <c:smooth val="0"/>
+        <c:axId val="580191791"/>
+        <c:axId val="580189295"/>
+        <c:extLst>
+          <c:ext xmlns:c15="http://schemas.microsoft.com/office/drawing/2012/chart" uri="{02D57815-91ED-43cb-92C2-25804820EDAC}">
+            <c15:filteredLineSeries>
+              <c15:ser>
+                <c:idx val="0"/>
+                <c:order val="0"/>
+                <c:spPr>
+                  <a:ln w="28575" cap="rnd">
+                    <a:solidFill>
+                      <a:schemeClr val="accent1"/>
+                    </a:solidFill>
+                    <a:round/>
+                  </a:ln>
+                  <a:effectLst/>
+                </c:spPr>
+                <c:marker>
+                  <c:symbol val="none"/>
+                </c:marker>
+                <c:cat>
+                  <c:numRef>
+                    <c:extLst>
+                      <c:ext uri="{02D57815-91ED-43cb-92C2-25804820EDAC}">
+                        <c15:formulaRef>
+                          <c15:sqref>normdist1!$A$1:$A$101</c15:sqref>
+                        </c15:formulaRef>
+                      </c:ext>
+                    </c:extLst>
+                    <c:numCache>
+                      <c:formatCode>General</c:formatCode>
+                      <c:ptCount val="101"/>
+                      <c:pt idx="0">
+                        <c:v>0</c:v>
+                      </c:pt>
+                      <c:pt idx="1">
+                        <c:v>1</c:v>
+                      </c:pt>
+                      <c:pt idx="2">
+                        <c:v>2</c:v>
+                      </c:pt>
+                      <c:pt idx="3">
+                        <c:v>3</c:v>
+                      </c:pt>
+                      <c:pt idx="4">
+                        <c:v>4</c:v>
+                      </c:pt>
+                      <c:pt idx="5">
+                        <c:v>5</c:v>
+                      </c:pt>
+                      <c:pt idx="6">
+                        <c:v>6</c:v>
+                      </c:pt>
+                      <c:pt idx="7">
+                        <c:v>7</c:v>
+                      </c:pt>
+                      <c:pt idx="8">
+                        <c:v>8</c:v>
+                      </c:pt>
+                      <c:pt idx="9">
+                        <c:v>9</c:v>
+                      </c:pt>
+                      <c:pt idx="10">
+                        <c:v>10</c:v>
+                      </c:pt>
+                      <c:pt idx="11">
+                        <c:v>11</c:v>
+                      </c:pt>
+                      <c:pt idx="12">
+                        <c:v>12</c:v>
+                      </c:pt>
+                      <c:pt idx="13">
+                        <c:v>13</c:v>
+                      </c:pt>
+                      <c:pt idx="14">
+                        <c:v>14</c:v>
+                      </c:pt>
+                      <c:pt idx="15">
+                        <c:v>15</c:v>
+                      </c:pt>
+                      <c:pt idx="16">
+                        <c:v>16</c:v>
+                      </c:pt>
+                      <c:pt idx="17">
+                        <c:v>17</c:v>
+                      </c:pt>
+                      <c:pt idx="18">
+                        <c:v>18</c:v>
+                      </c:pt>
+                      <c:pt idx="19">
+                        <c:v>19</c:v>
+                      </c:pt>
+                      <c:pt idx="20">
+                        <c:v>20</c:v>
+                      </c:pt>
+                      <c:pt idx="21">
+                        <c:v>21</c:v>
+                      </c:pt>
+                      <c:pt idx="22">
+                        <c:v>22</c:v>
+                      </c:pt>
+                      <c:pt idx="23">
+                        <c:v>23</c:v>
+                      </c:pt>
+                      <c:pt idx="24">
+                        <c:v>24</c:v>
+                      </c:pt>
+                      <c:pt idx="25">
+                        <c:v>25</c:v>
+                      </c:pt>
+                      <c:pt idx="26">
+                        <c:v>26</c:v>
+                      </c:pt>
+                      <c:pt idx="27">
+                        <c:v>27</c:v>
+                      </c:pt>
+                      <c:pt idx="28">
+                        <c:v>28</c:v>
+                      </c:pt>
+                      <c:pt idx="29">
+                        <c:v>29</c:v>
+                      </c:pt>
+                      <c:pt idx="30">
+                        <c:v>30</c:v>
+                      </c:pt>
+                      <c:pt idx="31">
+                        <c:v>31</c:v>
+                      </c:pt>
+                      <c:pt idx="32">
+                        <c:v>32</c:v>
+                      </c:pt>
+                      <c:pt idx="33">
+                        <c:v>33</c:v>
+                      </c:pt>
+                      <c:pt idx="34">
+                        <c:v>34</c:v>
+                      </c:pt>
+                      <c:pt idx="35">
+                        <c:v>35</c:v>
+                      </c:pt>
+                      <c:pt idx="36">
+                        <c:v>36</c:v>
+                      </c:pt>
+                      <c:pt idx="37">
+                        <c:v>37</c:v>
+                      </c:pt>
+                      <c:pt idx="38">
+                        <c:v>38</c:v>
+                      </c:pt>
+                      <c:pt idx="39">
+                        <c:v>39</c:v>
+                      </c:pt>
+                      <c:pt idx="40">
+                        <c:v>40</c:v>
+                      </c:pt>
+                      <c:pt idx="41">
+                        <c:v>41</c:v>
+                      </c:pt>
+                      <c:pt idx="42">
+                        <c:v>42</c:v>
+                      </c:pt>
+                      <c:pt idx="43">
+                        <c:v>43</c:v>
+                      </c:pt>
+                      <c:pt idx="44">
+                        <c:v>44</c:v>
+                      </c:pt>
+                      <c:pt idx="45">
+                        <c:v>45</c:v>
+                      </c:pt>
+                      <c:pt idx="46">
+                        <c:v>46</c:v>
+                      </c:pt>
+                      <c:pt idx="47">
+                        <c:v>47</c:v>
+                      </c:pt>
+                      <c:pt idx="48">
+                        <c:v>48</c:v>
+                      </c:pt>
+                      <c:pt idx="49">
+                        <c:v>49</c:v>
+                      </c:pt>
+                      <c:pt idx="50">
+                        <c:v>50</c:v>
+                      </c:pt>
+                      <c:pt idx="51">
+                        <c:v>51</c:v>
+                      </c:pt>
+                      <c:pt idx="52">
+                        <c:v>52</c:v>
+                      </c:pt>
+                      <c:pt idx="53">
+                        <c:v>53</c:v>
+                      </c:pt>
+                      <c:pt idx="54">
+                        <c:v>54</c:v>
+                      </c:pt>
+                      <c:pt idx="55">
+                        <c:v>55</c:v>
+                      </c:pt>
+                      <c:pt idx="56">
+                        <c:v>56</c:v>
+                      </c:pt>
+                      <c:pt idx="57">
+                        <c:v>57</c:v>
+                      </c:pt>
+                      <c:pt idx="58">
+                        <c:v>58</c:v>
+                      </c:pt>
+                      <c:pt idx="59">
+                        <c:v>59</c:v>
+                      </c:pt>
+                      <c:pt idx="60">
+                        <c:v>60</c:v>
+                      </c:pt>
+                      <c:pt idx="61">
+                        <c:v>61</c:v>
+                      </c:pt>
+                      <c:pt idx="62">
+                        <c:v>62</c:v>
+                      </c:pt>
+                      <c:pt idx="63">
+                        <c:v>63</c:v>
+                      </c:pt>
+                      <c:pt idx="64">
+                        <c:v>64</c:v>
+                      </c:pt>
+                      <c:pt idx="65">
+                        <c:v>65</c:v>
+                      </c:pt>
+                      <c:pt idx="66">
+                        <c:v>66</c:v>
+                      </c:pt>
+                      <c:pt idx="67">
+                        <c:v>67</c:v>
+                      </c:pt>
+                      <c:pt idx="68">
+                        <c:v>68</c:v>
+                      </c:pt>
+                      <c:pt idx="69">
+                        <c:v>69</c:v>
+                      </c:pt>
+                      <c:pt idx="70">
+                        <c:v>70</c:v>
+                      </c:pt>
+                      <c:pt idx="71">
+                        <c:v>71</c:v>
+                      </c:pt>
+                      <c:pt idx="72">
+                        <c:v>72</c:v>
+                      </c:pt>
+                      <c:pt idx="73">
+                        <c:v>73</c:v>
+                      </c:pt>
+                      <c:pt idx="74">
+                        <c:v>74</c:v>
+                      </c:pt>
+                      <c:pt idx="75">
+                        <c:v>75</c:v>
+                      </c:pt>
+                      <c:pt idx="76">
+                        <c:v>76</c:v>
+                      </c:pt>
+                      <c:pt idx="77">
+                        <c:v>77</c:v>
+                      </c:pt>
+                      <c:pt idx="78">
+                        <c:v>78</c:v>
+                      </c:pt>
+                      <c:pt idx="79">
+                        <c:v>79</c:v>
+                      </c:pt>
+                      <c:pt idx="80">
+                        <c:v>80</c:v>
+                      </c:pt>
+                      <c:pt idx="81">
+                        <c:v>81</c:v>
+                      </c:pt>
+                      <c:pt idx="82">
+                        <c:v>82</c:v>
+                      </c:pt>
+                      <c:pt idx="83">
+                        <c:v>83</c:v>
+                      </c:pt>
+                      <c:pt idx="84">
+                        <c:v>84</c:v>
+                      </c:pt>
+                      <c:pt idx="85">
+                        <c:v>85</c:v>
+                      </c:pt>
+                      <c:pt idx="86">
+                        <c:v>86</c:v>
+                      </c:pt>
+                      <c:pt idx="87">
+                        <c:v>87</c:v>
+                      </c:pt>
+                      <c:pt idx="88">
+                        <c:v>88</c:v>
+                      </c:pt>
+                      <c:pt idx="89">
+                        <c:v>89</c:v>
+                      </c:pt>
+                      <c:pt idx="90">
+                        <c:v>90</c:v>
+                      </c:pt>
+                      <c:pt idx="91">
+                        <c:v>91</c:v>
+                      </c:pt>
+                      <c:pt idx="92">
+                        <c:v>92</c:v>
+                      </c:pt>
+                      <c:pt idx="93">
+                        <c:v>93</c:v>
+                      </c:pt>
+                      <c:pt idx="94">
+                        <c:v>94</c:v>
+                      </c:pt>
+                      <c:pt idx="95">
+                        <c:v>95</c:v>
+                      </c:pt>
+                      <c:pt idx="96">
+                        <c:v>96</c:v>
+                      </c:pt>
+                      <c:pt idx="97">
+                        <c:v>97</c:v>
+                      </c:pt>
+                      <c:pt idx="98">
+                        <c:v>98</c:v>
+                      </c:pt>
+                      <c:pt idx="99">
+                        <c:v>99</c:v>
+                      </c:pt>
+                      <c:pt idx="100">
+                        <c:v>100</c:v>
+                      </c:pt>
+                    </c:numCache>
+                  </c:numRef>
+                </c:cat>
+                <c:val>
+                  <c:numRef>
+                    <c:extLst>
+                      <c:ext uri="{02D57815-91ED-43cb-92C2-25804820EDAC}">
+                        <c15:formulaRef>
+                          <c15:sqref>normdist1!$A$1:$A$101</c15:sqref>
+                        </c15:formulaRef>
+                      </c:ext>
+                    </c:extLst>
+                    <c:numCache>
+                      <c:formatCode>General</c:formatCode>
+                      <c:ptCount val="101"/>
+                      <c:pt idx="0">
+                        <c:v>0</c:v>
+                      </c:pt>
+                      <c:pt idx="1">
+                        <c:v>1</c:v>
+                      </c:pt>
+                      <c:pt idx="2">
+                        <c:v>2</c:v>
+                      </c:pt>
+                      <c:pt idx="3">
+                        <c:v>3</c:v>
+                      </c:pt>
+                      <c:pt idx="4">
+                        <c:v>4</c:v>
+                      </c:pt>
+                      <c:pt idx="5">
+                        <c:v>5</c:v>
+                      </c:pt>
+                      <c:pt idx="6">
+                        <c:v>6</c:v>
+                      </c:pt>
+                      <c:pt idx="7">
+                        <c:v>7</c:v>
+                      </c:pt>
+                      <c:pt idx="8">
+                        <c:v>8</c:v>
+                      </c:pt>
+                      <c:pt idx="9">
+                        <c:v>9</c:v>
+                      </c:pt>
+                      <c:pt idx="10">
+                        <c:v>10</c:v>
+                      </c:pt>
+                      <c:pt idx="11">
+                        <c:v>11</c:v>
+                      </c:pt>
+                      <c:pt idx="12">
+                        <c:v>12</c:v>
+                      </c:pt>
+                      <c:pt idx="13">
+                        <c:v>13</c:v>
+                      </c:pt>
+                      <c:pt idx="14">
+                        <c:v>14</c:v>
+                      </c:pt>
+                      <c:pt idx="15">
+                        <c:v>15</c:v>
+                      </c:pt>
+                      <c:pt idx="16">
+                        <c:v>16</c:v>
+                      </c:pt>
+                      <c:pt idx="17">
+                        <c:v>17</c:v>
+                      </c:pt>
+                      <c:pt idx="18">
+                        <c:v>18</c:v>
+                      </c:pt>
+                      <c:pt idx="19">
+                        <c:v>19</c:v>
+                      </c:pt>
+                      <c:pt idx="20">
+                        <c:v>20</c:v>
+                      </c:pt>
+                      <c:pt idx="21">
+                        <c:v>21</c:v>
+                      </c:pt>
+                      <c:pt idx="22">
+                        <c:v>22</c:v>
+                      </c:pt>
+                      <c:pt idx="23">
+                        <c:v>23</c:v>
+                      </c:pt>
+                      <c:pt idx="24">
+                        <c:v>24</c:v>
+                      </c:pt>
+                      <c:pt idx="25">
+                        <c:v>25</c:v>
+                      </c:pt>
+                      <c:pt idx="26">
+                        <c:v>26</c:v>
+                      </c:pt>
+                      <c:pt idx="27">
+                        <c:v>27</c:v>
+                      </c:pt>
+                      <c:pt idx="28">
+                        <c:v>28</c:v>
+                      </c:pt>
+                      <c:pt idx="29">
+                        <c:v>29</c:v>
+                      </c:pt>
+                      <c:pt idx="30">
+                        <c:v>30</c:v>
+                      </c:pt>
+                      <c:pt idx="31">
+                        <c:v>31</c:v>
+                      </c:pt>
+                      <c:pt idx="32">
+                        <c:v>32</c:v>
+                      </c:pt>
+                      <c:pt idx="33">
+                        <c:v>33</c:v>
+                      </c:pt>
+                      <c:pt idx="34">
+                        <c:v>34</c:v>
+                      </c:pt>
+                      <c:pt idx="35">
+                        <c:v>35</c:v>
+                      </c:pt>
+                      <c:pt idx="36">
+                        <c:v>36</c:v>
+                      </c:pt>
+                      <c:pt idx="37">
+                        <c:v>37</c:v>
+                      </c:pt>
+                      <c:pt idx="38">
+                        <c:v>38</c:v>
+                      </c:pt>
+                      <c:pt idx="39">
+                        <c:v>39</c:v>
+                      </c:pt>
+                      <c:pt idx="40">
+                        <c:v>40</c:v>
+                      </c:pt>
+                      <c:pt idx="41">
+                        <c:v>41</c:v>
+                      </c:pt>
+                      <c:pt idx="42">
+                        <c:v>42</c:v>
+                      </c:pt>
+                      <c:pt idx="43">
+                        <c:v>43</c:v>
+                      </c:pt>
+                      <c:pt idx="44">
+                        <c:v>44</c:v>
+                      </c:pt>
+                      <c:pt idx="45">
+                        <c:v>45</c:v>
+                      </c:pt>
+                      <c:pt idx="46">
+                        <c:v>46</c:v>
+                      </c:pt>
+                      <c:pt idx="47">
+                        <c:v>47</c:v>
+                      </c:pt>
+                      <c:pt idx="48">
+                        <c:v>48</c:v>
+                      </c:pt>
+                      <c:pt idx="49">
+                        <c:v>49</c:v>
+                      </c:pt>
+                      <c:pt idx="50">
+                        <c:v>50</c:v>
+                      </c:pt>
+                      <c:pt idx="51">
+                        <c:v>51</c:v>
+                      </c:pt>
+                      <c:pt idx="52">
+                        <c:v>52</c:v>
+                      </c:pt>
+                      <c:pt idx="53">
+                        <c:v>53</c:v>
+                      </c:pt>
+                      <c:pt idx="54">
+                        <c:v>54</c:v>
+                      </c:pt>
+                      <c:pt idx="55">
+                        <c:v>55</c:v>
+                      </c:pt>
+                      <c:pt idx="56">
+                        <c:v>56</c:v>
+                      </c:pt>
+                      <c:pt idx="57">
+                        <c:v>57</c:v>
+                      </c:pt>
+                      <c:pt idx="58">
+                        <c:v>58</c:v>
+                      </c:pt>
+                      <c:pt idx="59">
+                        <c:v>59</c:v>
+                      </c:pt>
+                      <c:pt idx="60">
+                        <c:v>60</c:v>
+                      </c:pt>
+                      <c:pt idx="61">
+                        <c:v>61</c:v>
+                      </c:pt>
+                      <c:pt idx="62">
+                        <c:v>62</c:v>
+                      </c:pt>
+                      <c:pt idx="63">
+                        <c:v>63</c:v>
+                      </c:pt>
+                      <c:pt idx="64">
+                        <c:v>64</c:v>
+                      </c:pt>
+                      <c:pt idx="65">
+                        <c:v>65</c:v>
+                      </c:pt>
+                      <c:pt idx="66">
+                        <c:v>66</c:v>
+                      </c:pt>
+                      <c:pt idx="67">
+                        <c:v>67</c:v>
+                      </c:pt>
+                      <c:pt idx="68">
+                        <c:v>68</c:v>
+                      </c:pt>
+                      <c:pt idx="69">
+                        <c:v>69</c:v>
+                      </c:pt>
+                      <c:pt idx="70">
+                        <c:v>70</c:v>
+                      </c:pt>
+                      <c:pt idx="71">
+                        <c:v>71</c:v>
+                      </c:pt>
+                      <c:pt idx="72">
+                        <c:v>72</c:v>
+                      </c:pt>
+                      <c:pt idx="73">
+                        <c:v>73</c:v>
+                      </c:pt>
+                      <c:pt idx="74">
+                        <c:v>74</c:v>
+                      </c:pt>
+                      <c:pt idx="75">
+                        <c:v>75</c:v>
+                      </c:pt>
+                      <c:pt idx="76">
+                        <c:v>76</c:v>
+                      </c:pt>
+                      <c:pt idx="77">
+                        <c:v>77</c:v>
+                      </c:pt>
+                      <c:pt idx="78">
+                        <c:v>78</c:v>
+                      </c:pt>
+                      <c:pt idx="79">
+                        <c:v>79</c:v>
+                      </c:pt>
+                      <c:pt idx="80">
+                        <c:v>80</c:v>
+                      </c:pt>
+                      <c:pt idx="81">
+                        <c:v>81</c:v>
+                      </c:pt>
+                      <c:pt idx="82">
+                        <c:v>82</c:v>
+                      </c:pt>
+                      <c:pt idx="83">
+                        <c:v>83</c:v>
+                      </c:pt>
+                      <c:pt idx="84">
+                        <c:v>84</c:v>
+                      </c:pt>
+                      <c:pt idx="85">
+                        <c:v>85</c:v>
+                      </c:pt>
+                      <c:pt idx="86">
+                        <c:v>86</c:v>
+                      </c:pt>
+                      <c:pt idx="87">
+                        <c:v>87</c:v>
+                      </c:pt>
+                      <c:pt idx="88">
+                        <c:v>88</c:v>
+                      </c:pt>
+                      <c:pt idx="89">
+                        <c:v>89</c:v>
+                      </c:pt>
+                      <c:pt idx="90">
+                        <c:v>90</c:v>
+                      </c:pt>
+                      <c:pt idx="91">
+                        <c:v>91</c:v>
+                      </c:pt>
+                      <c:pt idx="92">
+                        <c:v>92</c:v>
+                      </c:pt>
+                      <c:pt idx="93">
+                        <c:v>93</c:v>
+                      </c:pt>
+                      <c:pt idx="94">
+                        <c:v>94</c:v>
+                      </c:pt>
+                      <c:pt idx="95">
+                        <c:v>95</c:v>
+                      </c:pt>
+                      <c:pt idx="96">
+                        <c:v>96</c:v>
+                      </c:pt>
+                      <c:pt idx="97">
+                        <c:v>97</c:v>
+                      </c:pt>
+                      <c:pt idx="98">
+                        <c:v>98</c:v>
+                      </c:pt>
+                      <c:pt idx="99">
+                        <c:v>99</c:v>
+                      </c:pt>
+                      <c:pt idx="100">
+                        <c:v>100</c:v>
+                      </c:pt>
+                    </c:numCache>
+                  </c:numRef>
+                </c:val>
+                <c:smooth val="0"/>
+                <c:extLst>
+                  <c:ext xmlns:c16="http://schemas.microsoft.com/office/drawing/2014/chart" uri="{C3380CC4-5D6E-409C-BE32-E72D297353CC}">
+                    <c16:uniqueId val="{00000001-390B-415C-A246-FBB6DA1BA356}"/>
+                  </c:ext>
+                </c:extLst>
+              </c15:ser>
+            </c15:filteredLineSeries>
+          </c:ext>
+        </c:extLst>
+      </c:lineChart>
+      <c:catAx>
+        <c:axId val="580191791"/>
+        <c:scaling>
+          <c:orientation val="minMax"/>
+        </c:scaling>
+        <c:delete val="0"/>
+        <c:axPos val="b"/>
+        <c:numFmt formatCode="General" sourceLinked="1"/>
+        <c:majorTickMark val="none"/>
+        <c:minorTickMark val="none"/>
+        <c:tickLblPos val="nextTo"/>
+        <c:spPr>
+          <a:noFill/>
+          <a:ln w="9525" cap="flat" cmpd="sng" algn="ctr">
+            <a:solidFill>
+              <a:schemeClr val="tx1">
+                <a:lumMod val="15000"/>
+                <a:lumOff val="85000"/>
+              </a:schemeClr>
+            </a:solidFill>
+            <a:round/>
+          </a:ln>
+          <a:effectLst/>
+        </c:spPr>
+        <c:txPr>
+          <a:bodyPr rot="-60000000" spcFirstLastPara="1" vertOverflow="ellipsis" vert="horz" wrap="square" anchor="ctr" anchorCtr="1"/>
+          <a:lstStyle/>
+          <a:p>
+            <a:pPr>
+              <a:defRPr sz="900" b="0" i="0" u="none" strike="noStrike" kern="1200" baseline="0">
+                <a:solidFill>
+                  <a:schemeClr val="tx1">
+                    <a:lumMod val="65000"/>
+                    <a:lumOff val="35000"/>
+                  </a:schemeClr>
+                </a:solidFill>
+                <a:latin typeface="+mn-lt"/>
+                <a:ea typeface="+mn-ea"/>
+                <a:cs typeface="+mn-cs"/>
+              </a:defRPr>
+            </a:pPr>
+            <a:endParaRPr lang="ja-JP"/>
+          </a:p>
+        </c:txPr>
+        <c:crossAx val="580189295"/>
+        <c:crosses val="autoZero"/>
+        <c:auto val="1"/>
+        <c:lblAlgn val="ctr"/>
+        <c:lblOffset val="100"/>
+        <c:tickLblSkip val="10"/>
+        <c:tickMarkSkip val="10"/>
+        <c:noMultiLvlLbl val="0"/>
+      </c:catAx>
+      <c:valAx>
+        <c:axId val="580189295"/>
+        <c:scaling>
+          <c:orientation val="minMax"/>
+          <c:max val="1"/>
+        </c:scaling>
+        <c:delete val="0"/>
+        <c:axPos val="l"/>
+        <c:majorGridlines>
+          <c:spPr>
+            <a:ln w="9525" cap="flat" cmpd="sng" algn="ctr">
+              <a:solidFill>
+                <a:schemeClr val="tx1">
+                  <a:lumMod val="15000"/>
+                  <a:lumOff val="85000"/>
+                </a:schemeClr>
+              </a:solidFill>
+              <a:round/>
+            </a:ln>
+            <a:effectLst/>
+          </c:spPr>
+        </c:majorGridlines>
+        <c:numFmt formatCode="General" sourceLinked="1"/>
+        <c:majorTickMark val="none"/>
+        <c:minorTickMark val="none"/>
+        <c:tickLblPos val="nextTo"/>
+        <c:spPr>
+          <a:noFill/>
+          <a:ln>
+            <a:noFill/>
+          </a:ln>
+          <a:effectLst/>
+        </c:spPr>
+        <c:txPr>
+          <a:bodyPr rot="-60000000" spcFirstLastPara="1" vertOverflow="ellipsis" vert="horz" wrap="square" anchor="ctr" anchorCtr="1"/>
+          <a:lstStyle/>
+          <a:p>
+            <a:pPr>
+              <a:defRPr sz="900" b="0" i="0" u="none" strike="noStrike" kern="1200" baseline="0">
+                <a:solidFill>
+                  <a:schemeClr val="tx1">
+                    <a:lumMod val="65000"/>
+                    <a:lumOff val="35000"/>
+                  </a:schemeClr>
+                </a:solidFill>
+                <a:latin typeface="+mn-lt"/>
+                <a:ea typeface="+mn-ea"/>
+                <a:cs typeface="+mn-cs"/>
+              </a:defRPr>
+            </a:pPr>
+            <a:endParaRPr lang="ja-JP"/>
+          </a:p>
+        </c:txPr>
+        <c:crossAx val="580191791"/>
+        <c:crosses val="autoZero"/>
+        <c:crossBetween val="between"/>
+        <c:minorUnit val="0.2"/>
+      </c:valAx>
+      <c:spPr>
+        <a:noFill/>
+        <a:ln>
+          <a:noFill/>
+        </a:ln>
+        <a:effectLst/>
+      </c:spPr>
+    </c:plotArea>
+    <c:plotVisOnly val="1"/>
+    <c:dispBlanksAs val="zero"/>
+    <c:extLst>
+      <c:ext xmlns:c16r3="http://schemas.microsoft.com/office/drawing/2017/03/chart" uri="{56B9EC1D-385E-4148-901F-78D8002777C0}">
+        <c16r3:dataDisplayOptions16>
+          <c16r3:dispNaAsBlank val="1"/>
+        </c16r3:dataDisplayOptions16>
+      </c:ext>
+    </c:extLst>
+    <c:showDLblsOverMax val="0"/>
+  </c:chart>
+  <c:spPr>
+    <a:noFill/>
+    <a:ln>
+      <a:noFill/>
+    </a:ln>
+    <a:effectLst/>
+  </c:spPr>
+  <c:txPr>
+    <a:bodyPr/>
+    <a:lstStyle/>
+    <a:p>
+      <a:pPr>
+        <a:defRPr/>
+      </a:pPr>
+      <a:endParaRPr lang="ja-JP"/>
+    </a:p>
+  </c:txPr>
+  <c:externalData r:id="rId3">
+    <c:autoUpdate val="0"/>
+  </c:externalData>
+</c:chartSpace>
+</file>
+
+<file path=ppt/charts/colors1.xml><?xml version="1.0" encoding="utf-8"?>
+<cs:colorStyle xmlns:cs="http://schemas.microsoft.com/office/drawing/2012/chartStyle" xmlns:a="http://schemas.openxmlformats.org/drawingml/2006/main" meth="cycle" id="10">
+  <a:schemeClr val="accent1"/>
+  <a:schemeClr val="accent2"/>
+  <a:schemeClr val="accent3"/>
+  <a:schemeClr val="accent4"/>
+  <a:schemeClr val="accent5"/>
+  <a:schemeClr val="accent6"/>
+  <cs:variation/>
+  <cs:variation>
+    <a:lumMod val="60000"/>
+  </cs:variation>
+  <cs:variation>
+    <a:lumMod val="80000"/>
+    <a:lumOff val="20000"/>
+  </cs:variation>
+  <cs:variation>
+    <a:lumMod val="80000"/>
+  </cs:variation>
+  <cs:variation>
+    <a:lumMod val="60000"/>
+    <a:lumOff val="40000"/>
+  </cs:variation>
+  <cs:variation>
+    <a:lumMod val="50000"/>
+  </cs:variation>
+  <cs:variation>
+    <a:lumMod val="70000"/>
+    <a:lumOff val="30000"/>
+  </cs:variation>
+  <cs:variation>
+    <a:lumMod val="70000"/>
+  </cs:variation>
+  <cs:variation>
+    <a:lumMod val="50000"/>
+    <a:lumOff val="50000"/>
+  </cs:variation>
+</cs:colorStyle>
+</file>
+
+<file path=ppt/charts/colors2.xml><?xml version="1.0" encoding="utf-8"?>
+<cs:colorStyle xmlns:cs="http://schemas.microsoft.com/office/drawing/2012/chartStyle" xmlns:a="http://schemas.openxmlformats.org/drawingml/2006/main" meth="cycle" id="10">
+  <a:schemeClr val="accent1"/>
+  <a:schemeClr val="accent2"/>
+  <a:schemeClr val="accent3"/>
+  <a:schemeClr val="accent4"/>
+  <a:schemeClr val="accent5"/>
+  <a:schemeClr val="accent6"/>
+  <cs:variation/>
+  <cs:variation>
+    <a:lumMod val="60000"/>
+  </cs:variation>
+  <cs:variation>
+    <a:lumMod val="80000"/>
+    <a:lumOff val="20000"/>
+  </cs:variation>
+  <cs:variation>
+    <a:lumMod val="80000"/>
+  </cs:variation>
+  <cs:variation>
+    <a:lumMod val="60000"/>
+    <a:lumOff val="40000"/>
+  </cs:variation>
+  <cs:variation>
+    <a:lumMod val="50000"/>
+  </cs:variation>
+  <cs:variation>
+    <a:lumMod val="70000"/>
+    <a:lumOff val="30000"/>
+  </cs:variation>
+  <cs:variation>
+    <a:lumMod val="70000"/>
+  </cs:variation>
+  <cs:variation>
+    <a:lumMod val="50000"/>
+    <a:lumOff val="50000"/>
+  </cs:variation>
+</cs:colorStyle>
+</file>
+
+<file path=ppt/charts/style1.xml><?xml version="1.0" encoding="utf-8"?>
+<cs:chartStyle xmlns:cs="http://schemas.microsoft.com/office/drawing/2012/chartStyle" xmlns:a="http://schemas.openxmlformats.org/drawingml/2006/main" id="227">
+  <cs:axisTitle>
+    <cs:lnRef idx="0"/>
+    <cs:fillRef idx="0"/>
+    <cs:effectRef idx="0"/>
+    <cs:fontRef idx="minor">
+      <a:schemeClr val="tx1">
+        <a:lumMod val="65000"/>
+        <a:lumOff val="35000"/>
+      </a:schemeClr>
+    </cs:fontRef>
+    <cs:defRPr sz="1000" kern="1200"/>
+  </cs:axisTitle>
+  <cs:categoryAxis>
+    <cs:lnRef idx="0"/>
+    <cs:fillRef idx="0"/>
+    <cs:effectRef idx="0"/>
+    <cs:fontRef idx="minor">
+      <a:schemeClr val="tx1">
+        <a:lumMod val="65000"/>
+        <a:lumOff val="35000"/>
+      </a:schemeClr>
+    </cs:fontRef>
+    <cs:spPr>
+      <a:ln w="9525" cap="flat" cmpd="sng" algn="ctr">
+        <a:solidFill>
+          <a:schemeClr val="tx1">
+            <a:lumMod val="15000"/>
+            <a:lumOff val="85000"/>
+          </a:schemeClr>
+        </a:solidFill>
+        <a:round/>
+      </a:ln>
+    </cs:spPr>
+    <cs:defRPr sz="900" kern="1200"/>
+  </cs:categoryAxis>
+  <cs:chartArea mods="allowNoFillOverride allowNoLineOverride">
+    <cs:lnRef idx="0"/>
+    <cs:fillRef idx="0"/>
+    <cs:effectRef idx="0"/>
+    <cs:fontRef idx="minor">
+      <a:schemeClr val="tx1"/>
+    </cs:fontRef>
+    <cs:spPr>
+      <a:solidFill>
+        <a:schemeClr val="bg1"/>
+      </a:solidFill>
+      <a:ln w="9525" cap="flat" cmpd="sng" algn="ctr">
+        <a:solidFill>
+          <a:schemeClr val="tx1">
+            <a:lumMod val="15000"/>
+            <a:lumOff val="85000"/>
+          </a:schemeClr>
+        </a:solidFill>
+        <a:round/>
+      </a:ln>
+    </cs:spPr>
+    <cs:defRPr sz="1000" kern="1200"/>
+  </cs:chartArea>
+  <cs:dataLabel>
+    <cs:lnRef idx="0"/>
+    <cs:fillRef idx="0"/>
+    <cs:effectRef idx="0"/>
+    <cs:fontRef idx="minor">
+      <a:schemeClr val="tx1">
+        <a:lumMod val="75000"/>
+        <a:lumOff val="25000"/>
+      </a:schemeClr>
+    </cs:fontRef>
+    <cs:defRPr sz="900" kern="1200"/>
+  </cs:dataLabel>
+  <cs:dataLabelCallout>
+    <cs:lnRef idx="0"/>
+    <cs:fillRef idx="0"/>
+    <cs:effectRef idx="0"/>
+    <cs:fontRef idx="minor">
+      <a:schemeClr val="dk1">
+        <a:lumMod val="65000"/>
+        <a:lumOff val="35000"/>
+      </a:schemeClr>
+    </cs:fontRef>
+    <cs:spPr>
+      <a:solidFill>
+        <a:schemeClr val="lt1"/>
+      </a:solidFill>
+      <a:ln>
+        <a:solidFill>
+          <a:schemeClr val="dk1">
+            <a:lumMod val="25000"/>
+            <a:lumOff val="75000"/>
+          </a:schemeClr>
+        </a:solidFill>
+      </a:ln>
+    </cs:spPr>
+    <cs:defRPr sz="900" kern="1200"/>
+    <cs:bodyPr rot="0" spcFirstLastPara="1" vertOverflow="clip" horzOverflow="clip" vert="horz" wrap="square" lIns="36576" tIns="18288" rIns="36576" bIns="18288" anchor="ctr" anchorCtr="1">
+      <a:spAutoFit/>
+    </cs:bodyPr>
+  </cs:dataLabelCallout>
+  <cs:dataPoint>
+    <cs:lnRef idx="0"/>
+    <cs:fillRef idx="1">
+      <cs:styleClr val="auto"/>
+    </cs:fillRef>
+    <cs:effectRef idx="0"/>
+    <cs:fontRef idx="minor">
+      <a:schemeClr val="tx1"/>
+    </cs:fontRef>
+    <cs:spPr>
+      <a:solidFill>
+        <a:schemeClr val="phClr"/>
+      </a:solidFill>
+    </cs:spPr>
+  </cs:dataPoint>
+  <cs:dataPoint3D>
+    <cs:lnRef idx="0"/>
+    <cs:fillRef idx="1">
+      <cs:styleClr val="auto"/>
+    </cs:fillRef>
+    <cs:effectRef idx="0"/>
+    <cs:fontRef idx="minor">
+      <a:schemeClr val="tx1"/>
+    </cs:fontRef>
+    <cs:spPr>
+      <a:solidFill>
+        <a:schemeClr val="phClr"/>
+      </a:solidFill>
+    </cs:spPr>
+  </cs:dataPoint3D>
+  <cs:dataPointLine>
+    <cs:lnRef idx="0">
+      <cs:styleClr val="auto"/>
+    </cs:lnRef>
+    <cs:fillRef idx="1"/>
+    <cs:effectRef idx="0"/>
+    <cs:fontRef idx="minor">
+      <a:schemeClr val="tx1"/>
+    </cs:fontRef>
+    <cs:spPr>
+      <a:ln w="28575" cap="rnd">
+        <a:solidFill>
+          <a:schemeClr val="phClr"/>
+        </a:solidFill>
+        <a:round/>
+      </a:ln>
+    </cs:spPr>
+  </cs:dataPointLine>
+  <cs:dataPointMarker>
+    <cs:lnRef idx="0">
+      <cs:styleClr val="auto"/>
+    </cs:lnRef>
+    <cs:fillRef idx="1">
+      <cs:styleClr val="auto"/>
+    </cs:fillRef>
+    <cs:effectRef idx="0"/>
+    <cs:fontRef idx="minor">
+      <a:schemeClr val="tx1"/>
+    </cs:fontRef>
+    <cs:spPr>
+      <a:solidFill>
+        <a:schemeClr val="phClr"/>
+      </a:solidFill>
+      <a:ln w="9525">
+        <a:solidFill>
+          <a:schemeClr val="phClr"/>
+        </a:solidFill>
+      </a:ln>
+    </cs:spPr>
+  </cs:dataPointMarker>
+  <cs:dataPointMarkerLayout symbol="circle" size="5"/>
+  <cs:dataPointWireframe>
+    <cs:lnRef idx="0">
+      <cs:styleClr val="auto"/>
+    </cs:lnRef>
+    <cs:fillRef idx="1"/>
+    <cs:effectRef idx="0"/>
+    <cs:fontRef idx="minor">
+      <a:schemeClr val="tx1"/>
+    </cs:fontRef>
+    <cs:spPr>
+      <a:ln w="9525" cap="rnd">
+        <a:solidFill>
+          <a:schemeClr val="phClr"/>
+        </a:solidFill>
+        <a:round/>
+      </a:ln>
+    </cs:spPr>
+  </cs:dataPointWireframe>
+  <cs:dataTable>
+    <cs:lnRef idx="0"/>
+    <cs:fillRef idx="0"/>
+    <cs:effectRef idx="0"/>
+    <cs:fontRef idx="minor">
+      <a:schemeClr val="tx1">
+        <a:lumMod val="65000"/>
+        <a:lumOff val="35000"/>
+      </a:schemeClr>
+    </cs:fontRef>
+    <cs:spPr>
+      <a:noFill/>
+      <a:ln w="9525" cap="flat" cmpd="sng" algn="ctr">
+        <a:solidFill>
+          <a:schemeClr val="tx1">
+            <a:lumMod val="15000"/>
+            <a:lumOff val="85000"/>
+          </a:schemeClr>
+        </a:solidFill>
+        <a:round/>
+      </a:ln>
+    </cs:spPr>
+    <cs:defRPr sz="900" kern="1200"/>
+  </cs:dataTable>
+  <cs:downBar>
+    <cs:lnRef idx="0"/>
+    <cs:fillRef idx="0"/>
+    <cs:effectRef idx="0"/>
+    <cs:fontRef idx="minor">
+      <a:schemeClr val="dk1"/>
+    </cs:fontRef>
+    <cs:spPr>
+      <a:solidFill>
+        <a:schemeClr val="dk1">
+          <a:lumMod val="65000"/>
+          <a:lumOff val="35000"/>
+        </a:schemeClr>
+      </a:solidFill>
+      <a:ln w="9525">
+        <a:solidFill>
+          <a:schemeClr val="tx1">
+            <a:lumMod val="65000"/>
+            <a:lumOff val="35000"/>
+          </a:schemeClr>
+        </a:solidFill>
+      </a:ln>
+    </cs:spPr>
+  </cs:downBar>
+  <cs:dropLine>
+    <cs:lnRef idx="0"/>
+    <cs:fillRef idx="0"/>
+    <cs:effectRef idx="0"/>
+    <cs:fontRef idx="minor">
+      <a:schemeClr val="tx1"/>
+    </cs:fontRef>
+    <cs:spPr>
+      <a:ln w="9525" cap="flat" cmpd="sng" algn="ctr">
+        <a:solidFill>
+          <a:schemeClr val="tx1">
+            <a:lumMod val="35000"/>
+            <a:lumOff val="65000"/>
+          </a:schemeClr>
+        </a:solidFill>
+        <a:round/>
+      </a:ln>
+    </cs:spPr>
+  </cs:dropLine>
+  <cs:errorBar>
+    <cs:lnRef idx="0"/>
+    <cs:fillRef idx="0"/>
+    <cs:effectRef idx="0"/>
+    <cs:fontRef idx="minor">
+      <a:schemeClr val="tx1"/>
+    </cs:fontRef>
+    <cs:spPr>
+      <a:ln w="9525" cap="flat" cmpd="sng" algn="ctr">
+        <a:solidFill>
+          <a:schemeClr val="tx1">
+            <a:lumMod val="65000"/>
+            <a:lumOff val="35000"/>
+          </a:schemeClr>
+        </a:solidFill>
+        <a:round/>
+      </a:ln>
+    </cs:spPr>
+  </cs:errorBar>
+  <cs:floor>
+    <cs:lnRef idx="0"/>
+    <cs:fillRef idx="0"/>
+    <cs:effectRef idx="0"/>
+    <cs:fontRef idx="minor">
+      <a:schemeClr val="tx1"/>
+    </cs:fontRef>
+    <cs:spPr>
+      <a:noFill/>
+      <a:ln>
+        <a:noFill/>
+      </a:ln>
+    </cs:spPr>
+  </cs:floor>
+  <cs:gridlineMajor>
+    <cs:lnRef idx="0"/>
+    <cs:fillRef idx="0"/>
+    <cs:effectRef idx="0"/>
+    <cs:fontRef idx="minor">
+      <a:schemeClr val="tx1"/>
+    </cs:fontRef>
+    <cs:spPr>
+      <a:ln w="9525" cap="flat" cmpd="sng" algn="ctr">
+        <a:solidFill>
+          <a:schemeClr val="tx1">
+            <a:lumMod val="15000"/>
+            <a:lumOff val="85000"/>
+          </a:schemeClr>
+        </a:solidFill>
+        <a:round/>
+      </a:ln>
+    </cs:spPr>
+  </cs:gridlineMajor>
+  <cs:gridlineMinor>
+    <cs:lnRef idx="0"/>
+    <cs:fillRef idx="0"/>
+    <cs:effectRef idx="0"/>
+    <cs:fontRef idx="minor">
+      <a:schemeClr val="tx1"/>
+    </cs:fontRef>
+    <cs:spPr>
+      <a:ln w="9525" cap="flat" cmpd="sng" algn="ctr">
+        <a:solidFill>
+          <a:schemeClr val="tx1">
+            <a:lumMod val="5000"/>
+            <a:lumOff val="95000"/>
+          </a:schemeClr>
+        </a:solidFill>
+        <a:round/>
+      </a:ln>
+    </cs:spPr>
+  </cs:gridlineMinor>
+  <cs:hiLoLine>
+    <cs:lnRef idx="0"/>
+    <cs:fillRef idx="0"/>
+    <cs:effectRef idx="0"/>
+    <cs:fontRef idx="minor">
+      <a:schemeClr val="tx1"/>
+    </cs:fontRef>
+    <cs:spPr>
+      <a:ln w="9525" cap="flat" cmpd="sng" algn="ctr">
+        <a:solidFill>
+          <a:schemeClr val="tx1">
+            <a:lumMod val="75000"/>
+            <a:lumOff val="25000"/>
+          </a:schemeClr>
+        </a:solidFill>
+        <a:round/>
+      </a:ln>
+    </cs:spPr>
+  </cs:hiLoLine>
+  <cs:leaderLine>
+    <cs:lnRef idx="0"/>
+    <cs:fillRef idx="0"/>
+    <cs:effectRef idx="0"/>
+    <cs:fontRef idx="minor">
+      <a:schemeClr val="tx1"/>
+    </cs:fontRef>
+    <cs:spPr>
+      <a:ln w="9525" cap="flat" cmpd="sng" algn="ctr">
+        <a:solidFill>
+          <a:schemeClr val="tx1">
+            <a:lumMod val="35000"/>
+            <a:lumOff val="65000"/>
+          </a:schemeClr>
+        </a:solidFill>
+        <a:round/>
+      </a:ln>
+    </cs:spPr>
+  </cs:leaderLine>
+  <cs:legend>
+    <cs:lnRef idx="0"/>
+    <cs:fillRef idx="0"/>
+    <cs:effectRef idx="0"/>
+    <cs:fontRef idx="minor">
+      <a:schemeClr val="tx1">
+        <a:lumMod val="65000"/>
+        <a:lumOff val="35000"/>
+      </a:schemeClr>
+    </cs:fontRef>
+    <cs:defRPr sz="900" kern="1200"/>
+  </cs:legend>
+  <cs:plotArea mods="allowNoFillOverride allowNoLineOverride">
+    <cs:lnRef idx="0"/>
+    <cs:fillRef idx="0"/>
+    <cs:effectRef idx="0"/>
+    <cs:fontRef idx="minor">
+      <a:schemeClr val="tx1"/>
+    </cs:fontRef>
+  </cs:plotArea>
+  <cs:plotArea3D mods="allowNoFillOverride allowNoLineOverride">
+    <cs:lnRef idx="0"/>
+    <cs:fillRef idx="0"/>
+    <cs:effectRef idx="0"/>
+    <cs:fontRef idx="minor">
+      <a:schemeClr val="tx1"/>
+    </cs:fontRef>
+  </cs:plotArea3D>
+  <cs:seriesAxis>
+    <cs:lnRef idx="0"/>
+    <cs:fillRef idx="0"/>
+    <cs:effectRef idx="0"/>
+    <cs:fontRef idx="minor">
+      <a:schemeClr val="tx1">
+        <a:lumMod val="65000"/>
+        <a:lumOff val="35000"/>
+      </a:schemeClr>
+    </cs:fontRef>
+    <cs:defRPr sz="900" kern="1200"/>
+  </cs:seriesAxis>
+  <cs:seriesLine>
+    <cs:lnRef idx="0"/>
+    <cs:fillRef idx="0"/>
+    <cs:effectRef idx="0"/>
+    <cs:fontRef idx="minor">
+      <a:schemeClr val="tx1"/>
+    </cs:fontRef>
+    <cs:spPr>
+      <a:ln w="9525" cap="flat" cmpd="sng" algn="ctr">
+        <a:solidFill>
+          <a:schemeClr val="tx1">
+            <a:lumMod val="35000"/>
+            <a:lumOff val="65000"/>
+          </a:schemeClr>
+        </a:solidFill>
+        <a:round/>
+      </a:ln>
+    </cs:spPr>
+  </cs:seriesLine>
+  <cs:title>
+    <cs:lnRef idx="0"/>
+    <cs:fillRef idx="0"/>
+    <cs:effectRef idx="0"/>
+    <cs:fontRef idx="minor">
+      <a:schemeClr val="tx1">
+        <a:lumMod val="65000"/>
+        <a:lumOff val="35000"/>
+      </a:schemeClr>
+    </cs:fontRef>
+    <cs:defRPr sz="1400" b="0" kern="1200" spc="0" baseline="0"/>
+  </cs:title>
+  <cs:trendline>
+    <cs:lnRef idx="0">
+      <cs:styleClr val="auto"/>
+    </cs:lnRef>
+    <cs:fillRef idx="0"/>
+    <cs:effectRef idx="0"/>
+    <cs:fontRef idx="minor">
+      <a:schemeClr val="tx1"/>
+    </cs:fontRef>
+    <cs:spPr>
+      <a:ln w="19050" cap="rnd">
+        <a:solidFill>
+          <a:schemeClr val="phClr"/>
+        </a:solidFill>
+        <a:prstDash val="sysDot"/>
+      </a:ln>
+    </cs:spPr>
+  </cs:trendline>
+  <cs:trendlineLabel>
+    <cs:lnRef idx="0"/>
+    <cs:fillRef idx="0"/>
+    <cs:effectRef idx="0"/>
+    <cs:fontRef idx="minor">
+      <a:schemeClr val="tx1">
+        <a:lumMod val="65000"/>
+        <a:lumOff val="35000"/>
+      </a:schemeClr>
+    </cs:fontRef>
+    <cs:defRPr sz="900" kern="1200"/>
+  </cs:trendlineLabel>
+  <cs:upBar>
+    <cs:lnRef idx="0"/>
+    <cs:fillRef idx="0"/>
+    <cs:effectRef idx="0"/>
+    <cs:fontRef idx="minor">
+      <a:schemeClr val="dk1"/>
+    </cs:fontRef>
+    <cs:spPr>
+      <a:solidFill>
+        <a:schemeClr val="lt1"/>
+      </a:solidFill>
+      <a:ln w="9525">
+        <a:solidFill>
+          <a:schemeClr val="tx1">
+            <a:lumMod val="15000"/>
+            <a:lumOff val="85000"/>
+          </a:schemeClr>
+        </a:solidFill>
+      </a:ln>
+    </cs:spPr>
+  </cs:upBar>
+  <cs:valueAxis>
+    <cs:lnRef idx="0"/>
+    <cs:fillRef idx="0"/>
+    <cs:effectRef idx="0"/>
+    <cs:fontRef idx="minor">
+      <a:schemeClr val="tx1">
+        <a:lumMod val="65000"/>
+        <a:lumOff val="35000"/>
+      </a:schemeClr>
+    </cs:fontRef>
+    <cs:defRPr sz="900" kern="1200"/>
+  </cs:valueAxis>
+  <cs:wall>
+    <cs:lnRef idx="0"/>
+    <cs:fillRef idx="0"/>
+    <cs:effectRef idx="0"/>
+    <cs:fontRef idx="minor">
+      <a:schemeClr val="tx1"/>
+    </cs:fontRef>
+    <cs:spPr>
+      <a:noFill/>
+      <a:ln>
+        <a:noFill/>
+      </a:ln>
+    </cs:spPr>
+  </cs:wall>
+</cs:chartStyle>
+</file>
+
+<file path=ppt/charts/style2.xml><?xml version="1.0" encoding="utf-8"?>
+<cs:chartStyle xmlns:cs="http://schemas.microsoft.com/office/drawing/2012/chartStyle" xmlns:a="http://schemas.openxmlformats.org/drawingml/2006/main" id="227">
+  <cs:axisTitle>
+    <cs:lnRef idx="0"/>
+    <cs:fillRef idx="0"/>
+    <cs:effectRef idx="0"/>
+    <cs:fontRef idx="minor">
+      <a:schemeClr val="tx1">
+        <a:lumMod val="65000"/>
+        <a:lumOff val="35000"/>
+      </a:schemeClr>
+    </cs:fontRef>
+    <cs:defRPr sz="1000" kern="1200"/>
+  </cs:axisTitle>
+  <cs:categoryAxis>
+    <cs:lnRef idx="0"/>
+    <cs:fillRef idx="0"/>
+    <cs:effectRef idx="0"/>
+    <cs:fontRef idx="minor">
+      <a:schemeClr val="tx1">
+        <a:lumMod val="65000"/>
+        <a:lumOff val="35000"/>
+      </a:schemeClr>
+    </cs:fontRef>
+    <cs:spPr>
+      <a:ln w="9525" cap="flat" cmpd="sng" algn="ctr">
+        <a:solidFill>
+          <a:schemeClr val="tx1">
+            <a:lumMod val="15000"/>
+            <a:lumOff val="85000"/>
+          </a:schemeClr>
+        </a:solidFill>
+        <a:round/>
+      </a:ln>
+    </cs:spPr>
+    <cs:defRPr sz="900" kern="1200"/>
+  </cs:categoryAxis>
+  <cs:chartArea mods="allowNoFillOverride allowNoLineOverride">
+    <cs:lnRef idx="0"/>
+    <cs:fillRef idx="0"/>
+    <cs:effectRef idx="0"/>
+    <cs:fontRef idx="minor">
+      <a:schemeClr val="tx1"/>
+    </cs:fontRef>
+    <cs:spPr>
+      <a:solidFill>
+        <a:schemeClr val="bg1"/>
+      </a:solidFill>
+      <a:ln w="9525" cap="flat" cmpd="sng" algn="ctr">
+        <a:solidFill>
+          <a:schemeClr val="tx1">
+            <a:lumMod val="15000"/>
+            <a:lumOff val="85000"/>
+          </a:schemeClr>
+        </a:solidFill>
+        <a:round/>
+      </a:ln>
+    </cs:spPr>
+    <cs:defRPr sz="1000" kern="1200"/>
+  </cs:chartArea>
+  <cs:dataLabel>
+    <cs:lnRef idx="0"/>
+    <cs:fillRef idx="0"/>
+    <cs:effectRef idx="0"/>
+    <cs:fontRef idx="minor">
+      <a:schemeClr val="tx1">
+        <a:lumMod val="75000"/>
+        <a:lumOff val="25000"/>
+      </a:schemeClr>
+    </cs:fontRef>
+    <cs:defRPr sz="900" kern="1200"/>
+  </cs:dataLabel>
+  <cs:dataLabelCallout>
+    <cs:lnRef idx="0"/>
+    <cs:fillRef idx="0"/>
+    <cs:effectRef idx="0"/>
+    <cs:fontRef idx="minor">
+      <a:schemeClr val="dk1">
+        <a:lumMod val="65000"/>
+        <a:lumOff val="35000"/>
+      </a:schemeClr>
+    </cs:fontRef>
+    <cs:spPr>
+      <a:solidFill>
+        <a:schemeClr val="lt1"/>
+      </a:solidFill>
+      <a:ln>
+        <a:solidFill>
+          <a:schemeClr val="dk1">
+            <a:lumMod val="25000"/>
+            <a:lumOff val="75000"/>
+          </a:schemeClr>
+        </a:solidFill>
+      </a:ln>
+    </cs:spPr>
+    <cs:defRPr sz="900" kern="1200"/>
+    <cs:bodyPr rot="0" spcFirstLastPara="1" vertOverflow="clip" horzOverflow="clip" vert="horz" wrap="square" lIns="36576" tIns="18288" rIns="36576" bIns="18288" anchor="ctr" anchorCtr="1">
+      <a:spAutoFit/>
+    </cs:bodyPr>
+  </cs:dataLabelCallout>
+  <cs:dataPoint>
+    <cs:lnRef idx="0"/>
+    <cs:fillRef idx="1">
+      <cs:styleClr val="auto"/>
+    </cs:fillRef>
+    <cs:effectRef idx="0"/>
+    <cs:fontRef idx="minor">
+      <a:schemeClr val="tx1"/>
+    </cs:fontRef>
+    <cs:spPr>
+      <a:solidFill>
+        <a:schemeClr val="phClr"/>
+      </a:solidFill>
+    </cs:spPr>
+  </cs:dataPoint>
+  <cs:dataPoint3D>
+    <cs:lnRef idx="0"/>
+    <cs:fillRef idx="1">
+      <cs:styleClr val="auto"/>
+    </cs:fillRef>
+    <cs:effectRef idx="0"/>
+    <cs:fontRef idx="minor">
+      <a:schemeClr val="tx1"/>
+    </cs:fontRef>
+    <cs:spPr>
+      <a:solidFill>
+        <a:schemeClr val="phClr"/>
+      </a:solidFill>
+    </cs:spPr>
+  </cs:dataPoint3D>
+  <cs:dataPointLine>
+    <cs:lnRef idx="0">
+      <cs:styleClr val="auto"/>
+    </cs:lnRef>
+    <cs:fillRef idx="1"/>
+    <cs:effectRef idx="0"/>
+    <cs:fontRef idx="minor">
+      <a:schemeClr val="tx1"/>
+    </cs:fontRef>
+    <cs:spPr>
+      <a:ln w="28575" cap="rnd">
+        <a:solidFill>
+          <a:schemeClr val="phClr"/>
+        </a:solidFill>
+        <a:round/>
+      </a:ln>
+    </cs:spPr>
+  </cs:dataPointLine>
+  <cs:dataPointMarker>
+    <cs:lnRef idx="0">
+      <cs:styleClr val="auto"/>
+    </cs:lnRef>
+    <cs:fillRef idx="1">
+      <cs:styleClr val="auto"/>
+    </cs:fillRef>
+    <cs:effectRef idx="0"/>
+    <cs:fontRef idx="minor">
+      <a:schemeClr val="tx1"/>
+    </cs:fontRef>
+    <cs:spPr>
+      <a:solidFill>
+        <a:schemeClr val="phClr"/>
+      </a:solidFill>
+      <a:ln w="9525">
+        <a:solidFill>
+          <a:schemeClr val="phClr"/>
+        </a:solidFill>
+      </a:ln>
+    </cs:spPr>
+  </cs:dataPointMarker>
+  <cs:dataPointMarkerLayout symbol="circle" size="5"/>
+  <cs:dataPointWireframe>
+    <cs:lnRef idx="0">
+      <cs:styleClr val="auto"/>
+    </cs:lnRef>
+    <cs:fillRef idx="1"/>
+    <cs:effectRef idx="0"/>
+    <cs:fontRef idx="minor">
+      <a:schemeClr val="tx1"/>
+    </cs:fontRef>
+    <cs:spPr>
+      <a:ln w="9525" cap="rnd">
+        <a:solidFill>
+          <a:schemeClr val="phClr"/>
+        </a:solidFill>
+        <a:round/>
+      </a:ln>
+    </cs:spPr>
+  </cs:dataPointWireframe>
+  <cs:dataTable>
+    <cs:lnRef idx="0"/>
+    <cs:fillRef idx="0"/>
+    <cs:effectRef idx="0"/>
+    <cs:fontRef idx="minor">
+      <a:schemeClr val="tx1">
+        <a:lumMod val="65000"/>
+        <a:lumOff val="35000"/>
+      </a:schemeClr>
+    </cs:fontRef>
+    <cs:spPr>
+      <a:noFill/>
+      <a:ln w="9525" cap="flat" cmpd="sng" algn="ctr">
+        <a:solidFill>
+          <a:schemeClr val="tx1">
+            <a:lumMod val="15000"/>
+            <a:lumOff val="85000"/>
+          </a:schemeClr>
+        </a:solidFill>
+        <a:round/>
+      </a:ln>
+    </cs:spPr>
+    <cs:defRPr sz="900" kern="1200"/>
+  </cs:dataTable>
+  <cs:downBar>
+    <cs:lnRef idx="0"/>
+    <cs:fillRef idx="0"/>
+    <cs:effectRef idx="0"/>
+    <cs:fontRef idx="minor">
+      <a:schemeClr val="dk1"/>
+    </cs:fontRef>
+    <cs:spPr>
+      <a:solidFill>
+        <a:schemeClr val="dk1">
+          <a:lumMod val="65000"/>
+          <a:lumOff val="35000"/>
+        </a:schemeClr>
+      </a:solidFill>
+      <a:ln w="9525">
+        <a:solidFill>
+          <a:schemeClr val="tx1">
+            <a:lumMod val="65000"/>
+            <a:lumOff val="35000"/>
+          </a:schemeClr>
+        </a:solidFill>
+      </a:ln>
+    </cs:spPr>
+  </cs:downBar>
+  <cs:dropLine>
+    <cs:lnRef idx="0"/>
+    <cs:fillRef idx="0"/>
+    <cs:effectRef idx="0"/>
+    <cs:fontRef idx="minor">
+      <a:schemeClr val="tx1"/>
+    </cs:fontRef>
+    <cs:spPr>
+      <a:ln w="9525" cap="flat" cmpd="sng" algn="ctr">
+        <a:solidFill>
+          <a:schemeClr val="tx1">
+            <a:lumMod val="35000"/>
+            <a:lumOff val="65000"/>
+          </a:schemeClr>
+        </a:solidFill>
+        <a:round/>
+      </a:ln>
+    </cs:spPr>
+  </cs:dropLine>
+  <cs:errorBar>
+    <cs:lnRef idx="0"/>
+    <cs:fillRef idx="0"/>
+    <cs:effectRef idx="0"/>
+    <cs:fontRef idx="minor">
+      <a:schemeClr val="tx1"/>
+    </cs:fontRef>
+    <cs:spPr>
+      <a:ln w="9525" cap="flat" cmpd="sng" algn="ctr">
+        <a:solidFill>
+          <a:schemeClr val="tx1">
+            <a:lumMod val="65000"/>
+            <a:lumOff val="35000"/>
+          </a:schemeClr>
+        </a:solidFill>
+        <a:round/>
+      </a:ln>
+    </cs:spPr>
+  </cs:errorBar>
+  <cs:floor>
+    <cs:lnRef idx="0"/>
+    <cs:fillRef idx="0"/>
+    <cs:effectRef idx="0"/>
+    <cs:fontRef idx="minor">
+      <a:schemeClr val="tx1"/>
+    </cs:fontRef>
+    <cs:spPr>
+      <a:noFill/>
+      <a:ln>
+        <a:noFill/>
+      </a:ln>
+    </cs:spPr>
+  </cs:floor>
+  <cs:gridlineMajor>
+    <cs:lnRef idx="0"/>
+    <cs:fillRef idx="0"/>
+    <cs:effectRef idx="0"/>
+    <cs:fontRef idx="minor">
+      <a:schemeClr val="tx1"/>
+    </cs:fontRef>
+    <cs:spPr>
+      <a:ln w="9525" cap="flat" cmpd="sng" algn="ctr">
+        <a:solidFill>
+          <a:schemeClr val="tx1">
+            <a:lumMod val="15000"/>
+            <a:lumOff val="85000"/>
+          </a:schemeClr>
+        </a:solidFill>
+        <a:round/>
+      </a:ln>
+    </cs:spPr>
+  </cs:gridlineMajor>
+  <cs:gridlineMinor>
+    <cs:lnRef idx="0"/>
+    <cs:fillRef idx="0"/>
+    <cs:effectRef idx="0"/>
+    <cs:fontRef idx="minor">
+      <a:schemeClr val="tx1"/>
+    </cs:fontRef>
+    <cs:spPr>
+      <a:ln w="9525" cap="flat" cmpd="sng" algn="ctr">
+        <a:solidFill>
+          <a:schemeClr val="tx1">
+            <a:lumMod val="5000"/>
+            <a:lumOff val="95000"/>
+          </a:schemeClr>
+        </a:solidFill>
+        <a:round/>
+      </a:ln>
+    </cs:spPr>
+  </cs:gridlineMinor>
+  <cs:hiLoLine>
+    <cs:lnRef idx="0"/>
+    <cs:fillRef idx="0"/>
+    <cs:effectRef idx="0"/>
+    <cs:fontRef idx="minor">
+      <a:schemeClr val="tx1"/>
+    </cs:fontRef>
+    <cs:spPr>
+      <a:ln w="9525" cap="flat" cmpd="sng" algn="ctr">
+        <a:solidFill>
+          <a:schemeClr val="tx1">
+            <a:lumMod val="75000"/>
+            <a:lumOff val="25000"/>
+          </a:schemeClr>
+        </a:solidFill>
+        <a:round/>
+      </a:ln>
+    </cs:spPr>
+  </cs:hiLoLine>
+  <cs:leaderLine>
+    <cs:lnRef idx="0"/>
+    <cs:fillRef idx="0"/>
+    <cs:effectRef idx="0"/>
+    <cs:fontRef idx="minor">
+      <a:schemeClr val="tx1"/>
+    </cs:fontRef>
+    <cs:spPr>
+      <a:ln w="9525" cap="flat" cmpd="sng" algn="ctr">
+        <a:solidFill>
+          <a:schemeClr val="tx1">
+            <a:lumMod val="35000"/>
+            <a:lumOff val="65000"/>
+          </a:schemeClr>
+        </a:solidFill>
+        <a:round/>
+      </a:ln>
+    </cs:spPr>
+  </cs:leaderLine>
+  <cs:legend>
+    <cs:lnRef idx="0"/>
+    <cs:fillRef idx="0"/>
+    <cs:effectRef idx="0"/>
+    <cs:fontRef idx="minor">
+      <a:schemeClr val="tx1">
+        <a:lumMod val="65000"/>
+        <a:lumOff val="35000"/>
+      </a:schemeClr>
+    </cs:fontRef>
+    <cs:defRPr sz="900" kern="1200"/>
+  </cs:legend>
+  <cs:plotArea mods="allowNoFillOverride allowNoLineOverride">
+    <cs:lnRef idx="0"/>
+    <cs:fillRef idx="0"/>
+    <cs:effectRef idx="0"/>
+    <cs:fontRef idx="minor">
+      <a:schemeClr val="tx1"/>
+    </cs:fontRef>
+  </cs:plotArea>
+  <cs:plotArea3D mods="allowNoFillOverride allowNoLineOverride">
+    <cs:lnRef idx="0"/>
+    <cs:fillRef idx="0"/>
+    <cs:effectRef idx="0"/>
+    <cs:fontRef idx="minor">
+      <a:schemeClr val="tx1"/>
+    </cs:fontRef>
+  </cs:plotArea3D>
+  <cs:seriesAxis>
+    <cs:lnRef idx="0"/>
+    <cs:fillRef idx="0"/>
+    <cs:effectRef idx="0"/>
+    <cs:fontRef idx="minor">
+      <a:schemeClr val="tx1">
+        <a:lumMod val="65000"/>
+        <a:lumOff val="35000"/>
+      </a:schemeClr>
+    </cs:fontRef>
+    <cs:defRPr sz="900" kern="1200"/>
+  </cs:seriesAxis>
+  <cs:seriesLine>
+    <cs:lnRef idx="0"/>
+    <cs:fillRef idx="0"/>
+    <cs:effectRef idx="0"/>
+    <cs:fontRef idx="minor">
+      <a:schemeClr val="tx1"/>
+    </cs:fontRef>
+    <cs:spPr>
+      <a:ln w="9525" cap="flat" cmpd="sng" algn="ctr">
+        <a:solidFill>
+          <a:schemeClr val="tx1">
+            <a:lumMod val="35000"/>
+            <a:lumOff val="65000"/>
+          </a:schemeClr>
+        </a:solidFill>
+        <a:round/>
+      </a:ln>
+    </cs:spPr>
+  </cs:seriesLine>
+  <cs:title>
+    <cs:lnRef idx="0"/>
+    <cs:fillRef idx="0"/>
+    <cs:effectRef idx="0"/>
+    <cs:fontRef idx="minor">
+      <a:schemeClr val="tx1">
+        <a:lumMod val="65000"/>
+        <a:lumOff val="35000"/>
+      </a:schemeClr>
+    </cs:fontRef>
+    <cs:defRPr sz="1400" b="0" kern="1200" spc="0" baseline="0"/>
+  </cs:title>
+  <cs:trendline>
+    <cs:lnRef idx="0">
+      <cs:styleClr val="auto"/>
+    </cs:lnRef>
+    <cs:fillRef idx="0"/>
+    <cs:effectRef idx="0"/>
+    <cs:fontRef idx="minor">
+      <a:schemeClr val="tx1"/>
+    </cs:fontRef>
+    <cs:spPr>
+      <a:ln w="19050" cap="rnd">
+        <a:solidFill>
+          <a:schemeClr val="phClr"/>
+        </a:solidFill>
+        <a:prstDash val="sysDot"/>
+      </a:ln>
+    </cs:spPr>
+  </cs:trendline>
+  <cs:trendlineLabel>
+    <cs:lnRef idx="0"/>
+    <cs:fillRef idx="0"/>
+    <cs:effectRef idx="0"/>
+    <cs:fontRef idx="minor">
+      <a:schemeClr val="tx1">
+        <a:lumMod val="65000"/>
+        <a:lumOff val="35000"/>
+      </a:schemeClr>
+    </cs:fontRef>
+    <cs:defRPr sz="900" kern="1200"/>
+  </cs:trendlineLabel>
+  <cs:upBar>
+    <cs:lnRef idx="0"/>
+    <cs:fillRef idx="0"/>
+    <cs:effectRef idx="0"/>
+    <cs:fontRef idx="minor">
+      <a:schemeClr val="dk1"/>
+    </cs:fontRef>
+    <cs:spPr>
+      <a:solidFill>
+        <a:schemeClr val="lt1"/>
+      </a:solidFill>
+      <a:ln w="9525">
+        <a:solidFill>
+          <a:schemeClr val="tx1">
+            <a:lumMod val="15000"/>
+            <a:lumOff val="85000"/>
+          </a:schemeClr>
+        </a:solidFill>
+      </a:ln>
+    </cs:spPr>
+  </cs:upBar>
+  <cs:valueAxis>
+    <cs:lnRef idx="0"/>
+    <cs:fillRef idx="0"/>
+    <cs:effectRef idx="0"/>
+    <cs:fontRef idx="minor">
+      <a:schemeClr val="tx1">
+        <a:lumMod val="65000"/>
+        <a:lumOff val="35000"/>
+      </a:schemeClr>
+    </cs:fontRef>
+    <cs:defRPr sz="900" kern="1200"/>
+  </cs:valueAxis>
+  <cs:wall>
+    <cs:lnRef idx="0"/>
+    <cs:fillRef idx="0"/>
+    <cs:effectRef idx="0"/>
+    <cs:fontRef idx="minor">
+      <a:schemeClr val="tx1"/>
+    </cs:fontRef>
+    <cs:spPr>
+      <a:noFill/>
+      <a:ln>
+        <a:noFill/>
+      </a:ln>
+    </cs:spPr>
+  </cs:wall>
+</cs:chartStyle>
 </file>
 
 <file path=ppt/slideLayouts/slideLayout1.xml><?xml version="1.0" encoding="utf-8"?>
@@ -608,7 +4938,7 @@
           <a:p>
             <a:fld id="{321A2103-8A70-46CE-A319-498C63AD2A34}" type="datetimeFigureOut">
               <a:rPr kumimoji="1" lang="ja-JP" altLang="en-US" smtClean="0"/>
-              <a:t>2022/9/25</a:t>
+              <a:t>2022/9/27</a:t>
             </a:fld>
             <a:endParaRPr kumimoji="1" lang="ja-JP" altLang="en-US"/>
           </a:p>
@@ -838,7 +5168,7 @@
           <a:p>
             <a:fld id="{321A2103-8A70-46CE-A319-498C63AD2A34}" type="datetimeFigureOut">
               <a:rPr kumimoji="1" lang="ja-JP" altLang="en-US" smtClean="0"/>
-              <a:t>2022/9/25</a:t>
+              <a:t>2022/9/27</a:t>
             </a:fld>
             <a:endParaRPr kumimoji="1" lang="ja-JP" altLang="en-US"/>
           </a:p>
@@ -1078,7 +5408,7 @@
           <a:p>
             <a:fld id="{321A2103-8A70-46CE-A319-498C63AD2A34}" type="datetimeFigureOut">
               <a:rPr kumimoji="1" lang="ja-JP" altLang="en-US" smtClean="0"/>
-              <a:t>2022/9/25</a:t>
+              <a:t>2022/9/27</a:t>
             </a:fld>
             <a:endParaRPr kumimoji="1" lang="ja-JP" altLang="en-US"/>
           </a:p>
@@ -1308,7 +5638,7 @@
           <a:p>
             <a:fld id="{321A2103-8A70-46CE-A319-498C63AD2A34}" type="datetimeFigureOut">
               <a:rPr kumimoji="1" lang="ja-JP" altLang="en-US" smtClean="0"/>
-              <a:t>2022/9/25</a:t>
+              <a:t>2022/9/27</a:t>
             </a:fld>
             <a:endParaRPr kumimoji="1" lang="ja-JP" altLang="en-US"/>
           </a:p>
@@ -1583,7 +5913,7 @@
           <a:p>
             <a:fld id="{321A2103-8A70-46CE-A319-498C63AD2A34}" type="datetimeFigureOut">
               <a:rPr kumimoji="1" lang="ja-JP" altLang="en-US" smtClean="0"/>
-              <a:t>2022/9/25</a:t>
+              <a:t>2022/9/27</a:t>
             </a:fld>
             <a:endParaRPr kumimoji="1" lang="ja-JP" altLang="en-US"/>
           </a:p>
@@ -1912,7 +6242,7 @@
           <a:p>
             <a:fld id="{321A2103-8A70-46CE-A319-498C63AD2A34}" type="datetimeFigureOut">
               <a:rPr kumimoji="1" lang="ja-JP" altLang="en-US" smtClean="0"/>
-              <a:t>2022/9/25</a:t>
+              <a:t>2022/9/27</a:t>
             </a:fld>
             <a:endParaRPr kumimoji="1" lang="ja-JP" altLang="en-US"/>
           </a:p>
@@ -2388,7 +6718,7 @@
           <a:p>
             <a:fld id="{321A2103-8A70-46CE-A319-498C63AD2A34}" type="datetimeFigureOut">
               <a:rPr kumimoji="1" lang="ja-JP" altLang="en-US" smtClean="0"/>
-              <a:t>2022/9/25</a:t>
+              <a:t>2022/9/27</a:t>
             </a:fld>
             <a:endParaRPr kumimoji="1" lang="ja-JP" altLang="en-US"/>
           </a:p>
@@ -2529,7 +6859,7 @@
           <a:p>
             <a:fld id="{321A2103-8A70-46CE-A319-498C63AD2A34}" type="datetimeFigureOut">
               <a:rPr kumimoji="1" lang="ja-JP" altLang="en-US" smtClean="0"/>
-              <a:t>2022/9/25</a:t>
+              <a:t>2022/9/27</a:t>
             </a:fld>
             <a:endParaRPr kumimoji="1" lang="ja-JP" altLang="en-US"/>
           </a:p>
@@ -2642,7 +6972,7 @@
           <a:p>
             <a:fld id="{321A2103-8A70-46CE-A319-498C63AD2A34}" type="datetimeFigureOut">
               <a:rPr kumimoji="1" lang="ja-JP" altLang="en-US" smtClean="0"/>
-              <a:t>2022/9/25</a:t>
+              <a:t>2022/9/27</a:t>
             </a:fld>
             <a:endParaRPr kumimoji="1" lang="ja-JP" altLang="en-US"/>
           </a:p>
@@ -2985,7 +7315,7 @@
           <a:p>
             <a:fld id="{321A2103-8A70-46CE-A319-498C63AD2A34}" type="datetimeFigureOut">
               <a:rPr kumimoji="1" lang="ja-JP" altLang="en-US" smtClean="0"/>
-              <a:t>2022/9/25</a:t>
+              <a:t>2022/9/27</a:t>
             </a:fld>
             <a:endParaRPr kumimoji="1" lang="ja-JP" altLang="en-US"/>
           </a:p>
@@ -3273,7 +7603,7 @@
           <a:p>
             <a:fld id="{321A2103-8A70-46CE-A319-498C63AD2A34}" type="datetimeFigureOut">
               <a:rPr kumimoji="1" lang="ja-JP" altLang="en-US" smtClean="0"/>
-              <a:t>2022/9/25</a:t>
+              <a:t>2022/9/27</a:t>
             </a:fld>
             <a:endParaRPr kumimoji="1" lang="ja-JP" altLang="en-US"/>
           </a:p>
@@ -3546,7 +7876,7 @@
           <a:p>
             <a:fld id="{321A2103-8A70-46CE-A319-498C63AD2A34}" type="datetimeFigureOut">
               <a:rPr kumimoji="1" lang="ja-JP" altLang="en-US" smtClean="0"/>
-              <a:t>2022/9/25</a:t>
+              <a:t>2022/9/27</a:t>
             </a:fld>
             <a:endParaRPr kumimoji="1" lang="ja-JP" altLang="en-US"/>
           </a:p>
@@ -4925,10 +9255,800 @@
           <a:chExt cx="0" cy="0"/>
         </a:xfrm>
       </p:grpSpPr>
+      <p:graphicFrame>
+        <p:nvGraphicFramePr>
+          <p:cNvPr id="4" name="グラフ 3">
+            <a:extLst>
+              <a:ext uri="{FF2B5EF4-FFF2-40B4-BE49-F238E27FC236}">
+                <a16:creationId xmlns:a16="http://schemas.microsoft.com/office/drawing/2014/main" id="{C5C46BC6-287D-5D69-E150-CAFC1F2F860B}"/>
+              </a:ext>
+            </a:extLst>
+          </p:cNvPr>
+          <p:cNvGraphicFramePr>
+            <a:graphicFrameLocks/>
+          </p:cNvGraphicFramePr>
+          <p:nvPr>
+            <p:extLst>
+              <p:ext uri="{D42A27DB-BD31-4B8C-83A1-F6EECF244321}">
+                <p14:modId xmlns:p14="http://schemas.microsoft.com/office/powerpoint/2010/main" val="3488824148"/>
+              </p:ext>
+            </p:extLst>
+          </p:nvPr>
+        </p:nvGraphicFramePr>
+        <p:xfrm>
+          <a:off x="1363980" y="1310640"/>
+          <a:ext cx="5791200" cy="4488180"/>
+        </p:xfrm>
+        <a:graphic>
+          <a:graphicData uri="http://schemas.openxmlformats.org/drawingml/2006/chart">
+            <c:chart xmlns:c="http://schemas.openxmlformats.org/drawingml/2006/chart" xmlns:r="http://schemas.openxmlformats.org/officeDocument/2006/relationships" r:id="rId2"/>
+          </a:graphicData>
+        </a:graphic>
+      </p:graphicFrame>
     </p:spTree>
     <p:extLst>
       <p:ext uri="{BB962C8B-B14F-4D97-AF65-F5344CB8AC3E}">
         <p14:creationId xmlns:p14="http://schemas.microsoft.com/office/powerpoint/2010/main" val="269611057"/>
+      </p:ext>
+    </p:extLst>
+  </p:cSld>
+  <p:clrMapOvr>
+    <a:masterClrMapping/>
+  </p:clrMapOvr>
+</p:sld>
+</file>
+
+<file path=ppt/slides/slide3.xml><?xml version="1.0" encoding="utf-8"?>
+<p:sld xmlns:a="http://schemas.openxmlformats.org/drawingml/2006/main" xmlns:r="http://schemas.openxmlformats.org/officeDocument/2006/relationships" xmlns:p="http://schemas.openxmlformats.org/presentationml/2006/main">
+  <p:cSld>
+    <p:spTree>
+      <p:nvGrpSpPr>
+        <p:cNvPr id="1" name=""/>
+        <p:cNvGrpSpPr/>
+        <p:nvPr/>
+      </p:nvGrpSpPr>
+      <p:grpSpPr>
+        <a:xfrm>
+          <a:off x="0" y="0"/>
+          <a:ext cx="0" cy="0"/>
+          <a:chOff x="0" y="0"/>
+          <a:chExt cx="0" cy="0"/>
+        </a:xfrm>
+      </p:grpSpPr>
+      <p:graphicFrame>
+        <p:nvGraphicFramePr>
+          <p:cNvPr id="2" name="グラフ 1">
+            <a:extLst>
+              <a:ext uri="{FF2B5EF4-FFF2-40B4-BE49-F238E27FC236}">
+                <a16:creationId xmlns:a16="http://schemas.microsoft.com/office/drawing/2014/main" id="{04AD980A-FE37-9C71-19B6-57C9F2652D02}"/>
+              </a:ext>
+            </a:extLst>
+          </p:cNvPr>
+          <p:cNvGraphicFramePr>
+            <a:graphicFrameLocks/>
+          </p:cNvGraphicFramePr>
+          <p:nvPr>
+            <p:extLst>
+              <p:ext uri="{D42A27DB-BD31-4B8C-83A1-F6EECF244321}">
+                <p14:modId xmlns:p14="http://schemas.microsoft.com/office/powerpoint/2010/main" val="2399437866"/>
+              </p:ext>
+            </p:extLst>
+          </p:nvPr>
+        </p:nvGraphicFramePr>
+        <p:xfrm>
+          <a:off x="1844040" y="634516"/>
+          <a:ext cx="2705100" cy="2179320"/>
+        </p:xfrm>
+        <a:graphic>
+          <a:graphicData uri="http://schemas.openxmlformats.org/drawingml/2006/chart">
+            <c:chart xmlns:c="http://schemas.openxmlformats.org/drawingml/2006/chart" xmlns:r="http://schemas.openxmlformats.org/officeDocument/2006/relationships" r:id="rId2"/>
+          </a:graphicData>
+        </a:graphic>
+      </p:graphicFrame>
+      <p:pic>
+        <p:nvPicPr>
+          <p:cNvPr id="4" name="図 3">
+            <a:extLst>
+              <a:ext uri="{FF2B5EF4-FFF2-40B4-BE49-F238E27FC236}">
+                <a16:creationId xmlns:a16="http://schemas.microsoft.com/office/drawing/2014/main" id="{7722DB67-CE8F-BDA1-AFBF-E1463BA68C09}"/>
+              </a:ext>
+            </a:extLst>
+          </p:cNvPr>
+          <p:cNvPicPr>
+            <a:picLocks noChangeAspect="1"/>
+          </p:cNvPicPr>
+          <p:nvPr/>
+        </p:nvPicPr>
+        <p:blipFill>
+          <a:blip r:embed="rId3"/>
+          <a:stretch>
+            <a:fillRect/>
+          </a:stretch>
+        </p:blipFill>
+        <p:spPr>
+          <a:xfrm>
+            <a:off x="4804270" y="822266"/>
+            <a:ext cx="2431060" cy="2288056"/>
+          </a:xfrm>
+          <a:prstGeom prst="rect">
+            <a:avLst/>
+          </a:prstGeom>
+        </p:spPr>
+      </p:pic>
+      <p:sp>
+        <p:nvSpPr>
+          <p:cNvPr id="5" name="テキスト ボックス 4">
+            <a:extLst>
+              <a:ext uri="{FF2B5EF4-FFF2-40B4-BE49-F238E27FC236}">
+                <a16:creationId xmlns:a16="http://schemas.microsoft.com/office/drawing/2014/main" id="{A4BFDAAF-65DF-A6DE-5887-E16C5D4FCAA5}"/>
+              </a:ext>
+            </a:extLst>
+          </p:cNvPr>
+          <p:cNvSpPr txBox="1"/>
+          <p:nvPr/>
+        </p:nvSpPr>
+        <p:spPr>
+          <a:xfrm>
+            <a:off x="2321991" y="449850"/>
+            <a:ext cx="1749197" cy="369332"/>
+          </a:xfrm>
+          <a:prstGeom prst="rect">
+            <a:avLst/>
+          </a:prstGeom>
+          <a:noFill/>
+        </p:spPr>
+        <p:txBody>
+          <a:bodyPr wrap="none" rtlCol="0">
+            <a:spAutoFit/>
+          </a:bodyPr>
+          <a:lstStyle/>
+          <a:p>
+            <a:r>
+              <a:rPr kumimoji="1" lang="ja-JP" altLang="en-US" dirty="0"/>
+              <a:t>仮説</a:t>
+            </a:r>
+            <a:r>
+              <a:rPr kumimoji="1" lang="en-US" altLang="ja-JP" dirty="0"/>
+              <a:t>(</a:t>
+            </a:r>
+            <a:r>
+              <a:rPr kumimoji="1" lang="ja-JP" altLang="en-US" dirty="0"/>
+              <a:t>正規分布</a:t>
+            </a:r>
+            <a:r>
+              <a:rPr kumimoji="1" lang="en-US" altLang="ja-JP" dirty="0"/>
+              <a:t>)</a:t>
+            </a:r>
+            <a:endParaRPr kumimoji="1" lang="ja-JP" altLang="en-US" dirty="0"/>
+          </a:p>
+        </p:txBody>
+      </p:sp>
+      <p:sp>
+        <p:nvSpPr>
+          <p:cNvPr id="6" name="テキスト ボックス 5">
+            <a:extLst>
+              <a:ext uri="{FF2B5EF4-FFF2-40B4-BE49-F238E27FC236}">
+                <a16:creationId xmlns:a16="http://schemas.microsoft.com/office/drawing/2014/main" id="{674ADB2E-443A-FDBA-A95F-E654E32F1CD7}"/>
+              </a:ext>
+            </a:extLst>
+          </p:cNvPr>
+          <p:cNvSpPr txBox="1"/>
+          <p:nvPr/>
+        </p:nvSpPr>
+        <p:spPr>
+          <a:xfrm>
+            <a:off x="5600700" y="449850"/>
+            <a:ext cx="1107996" cy="369332"/>
+          </a:xfrm>
+          <a:prstGeom prst="rect">
+            <a:avLst/>
+          </a:prstGeom>
+          <a:noFill/>
+        </p:spPr>
+        <p:txBody>
+          <a:bodyPr wrap="none" rtlCol="0">
+            <a:spAutoFit/>
+          </a:bodyPr>
+          <a:lstStyle/>
+          <a:p>
+            <a:r>
+              <a:rPr lang="ja-JP" altLang="en-US" dirty="0"/>
+              <a:t>実験結果</a:t>
+            </a:r>
+            <a:endParaRPr kumimoji="1" lang="ja-JP" altLang="en-US" dirty="0"/>
+          </a:p>
+        </p:txBody>
+      </p:sp>
+      <p:cxnSp>
+        <p:nvCxnSpPr>
+          <p:cNvPr id="8" name="直線矢印コネクタ 7">
+            <a:extLst>
+              <a:ext uri="{FF2B5EF4-FFF2-40B4-BE49-F238E27FC236}">
+                <a16:creationId xmlns:a16="http://schemas.microsoft.com/office/drawing/2014/main" id="{C570367F-D18C-B6FA-84C7-17AED08A1F8F}"/>
+              </a:ext>
+            </a:extLst>
+          </p:cNvPr>
+          <p:cNvCxnSpPr>
+            <a:cxnSpLocks/>
+          </p:cNvCxnSpPr>
+          <p:nvPr/>
+        </p:nvCxnSpPr>
+        <p:spPr>
+          <a:xfrm>
+            <a:off x="3070860" y="3192780"/>
+            <a:ext cx="788529" cy="401994"/>
+          </a:xfrm>
+          <a:prstGeom prst="straightConnector1">
+            <a:avLst/>
+          </a:prstGeom>
+          <a:ln>
+            <a:tailEnd type="triangle"/>
+          </a:ln>
+        </p:spPr>
+        <p:style>
+          <a:lnRef idx="1">
+            <a:schemeClr val="accent1"/>
+          </a:lnRef>
+          <a:fillRef idx="0">
+            <a:schemeClr val="accent1"/>
+          </a:fillRef>
+          <a:effectRef idx="0">
+            <a:schemeClr val="accent1"/>
+          </a:effectRef>
+          <a:fontRef idx="minor">
+            <a:schemeClr val="tx1"/>
+          </a:fontRef>
+        </p:style>
+      </p:cxnSp>
+      <p:cxnSp>
+        <p:nvCxnSpPr>
+          <p:cNvPr id="10" name="直線矢印コネクタ 9">
+            <a:extLst>
+              <a:ext uri="{FF2B5EF4-FFF2-40B4-BE49-F238E27FC236}">
+                <a16:creationId xmlns:a16="http://schemas.microsoft.com/office/drawing/2014/main" id="{5364B578-562B-4854-F1F4-F35386895F75}"/>
+              </a:ext>
+            </a:extLst>
+          </p:cNvPr>
+          <p:cNvCxnSpPr/>
+          <p:nvPr/>
+        </p:nvCxnSpPr>
+        <p:spPr>
+          <a:xfrm flipH="1">
+            <a:off x="4549140" y="3110322"/>
+            <a:ext cx="899160" cy="516798"/>
+          </a:xfrm>
+          <a:prstGeom prst="straightConnector1">
+            <a:avLst/>
+          </a:prstGeom>
+          <a:ln>
+            <a:tailEnd type="triangle"/>
+          </a:ln>
+        </p:spPr>
+        <p:style>
+          <a:lnRef idx="1">
+            <a:schemeClr val="accent1"/>
+          </a:lnRef>
+          <a:fillRef idx="0">
+            <a:schemeClr val="accent1"/>
+          </a:fillRef>
+          <a:effectRef idx="0">
+            <a:schemeClr val="accent1"/>
+          </a:effectRef>
+          <a:fontRef idx="minor">
+            <a:schemeClr val="tx1"/>
+          </a:fontRef>
+        </p:style>
+      </p:cxnSp>
+      <p:sp>
+        <p:nvSpPr>
+          <p:cNvPr id="11" name="テキスト ボックス 10">
+            <a:extLst>
+              <a:ext uri="{FF2B5EF4-FFF2-40B4-BE49-F238E27FC236}">
+                <a16:creationId xmlns:a16="http://schemas.microsoft.com/office/drawing/2014/main" id="{35415F46-86F0-3F2A-667D-1ABFC52670C5}"/>
+              </a:ext>
+            </a:extLst>
+          </p:cNvPr>
+          <p:cNvSpPr txBox="1"/>
+          <p:nvPr/>
+        </p:nvSpPr>
+        <p:spPr>
+          <a:xfrm>
+            <a:off x="1901841" y="3748977"/>
+            <a:ext cx="5363969" cy="369332"/>
+          </a:xfrm>
+          <a:prstGeom prst="rect">
+            <a:avLst/>
+          </a:prstGeom>
+          <a:noFill/>
+        </p:spPr>
+        <p:txBody>
+          <a:bodyPr wrap="none" rtlCol="0">
+            <a:spAutoFit/>
+          </a:bodyPr>
+          <a:lstStyle/>
+          <a:p>
+            <a:r>
+              <a:rPr kumimoji="1" lang="en-US" altLang="ja-JP" dirty="0"/>
+              <a:t>p</a:t>
+            </a:r>
+            <a:r>
+              <a:rPr kumimoji="1" lang="ja-JP" altLang="en-US" dirty="0"/>
+              <a:t>値 </a:t>
+            </a:r>
+            <a:r>
+              <a:rPr kumimoji="1" lang="en-US" altLang="ja-JP" dirty="0"/>
+              <a:t>: </a:t>
+            </a:r>
+            <a:r>
+              <a:rPr kumimoji="1" lang="ja-JP" altLang="en-US" dirty="0"/>
+              <a:t>仮説のもとで実験結果のデータがおきる確率</a:t>
+            </a:r>
+          </a:p>
+        </p:txBody>
+      </p:sp>
+      <p:sp>
+        <p:nvSpPr>
+          <p:cNvPr id="12" name="テキスト ボックス 11">
+            <a:extLst>
+              <a:ext uri="{FF2B5EF4-FFF2-40B4-BE49-F238E27FC236}">
+                <a16:creationId xmlns:a16="http://schemas.microsoft.com/office/drawing/2014/main" id="{AC7322AF-8841-6790-578F-D9841D4CE716}"/>
+              </a:ext>
+            </a:extLst>
+          </p:cNvPr>
+          <p:cNvSpPr txBox="1"/>
+          <p:nvPr/>
+        </p:nvSpPr>
+        <p:spPr>
+          <a:xfrm>
+            <a:off x="2069481" y="4272512"/>
+            <a:ext cx="1640193" cy="369332"/>
+          </a:xfrm>
+          <a:prstGeom prst="rect">
+            <a:avLst/>
+          </a:prstGeom>
+          <a:noFill/>
+        </p:spPr>
+        <p:txBody>
+          <a:bodyPr wrap="none" rtlCol="0">
+            <a:spAutoFit/>
+          </a:bodyPr>
+          <a:lstStyle/>
+          <a:p>
+            <a:r>
+              <a:rPr kumimoji="1" lang="en-US" altLang="ja-JP" dirty="0"/>
+              <a:t>p</a:t>
+            </a:r>
+            <a:r>
+              <a:rPr kumimoji="1" lang="ja-JP" altLang="en-US" dirty="0"/>
+              <a:t>値</a:t>
+            </a:r>
+            <a:r>
+              <a:rPr kumimoji="1" lang="en-US" altLang="ja-JP" dirty="0"/>
+              <a:t>&lt;</a:t>
+            </a:r>
+            <a:r>
+              <a:rPr kumimoji="1" lang="ja-JP" altLang="en-US" dirty="0"/>
+              <a:t>有意水準</a:t>
+            </a:r>
+          </a:p>
+        </p:txBody>
+      </p:sp>
+      <p:sp>
+        <p:nvSpPr>
+          <p:cNvPr id="13" name="テキスト ボックス 12">
+            <a:extLst>
+              <a:ext uri="{FF2B5EF4-FFF2-40B4-BE49-F238E27FC236}">
+                <a16:creationId xmlns:a16="http://schemas.microsoft.com/office/drawing/2014/main" id="{7DE552FB-10A3-C5E9-D652-146B350E2EF5}"/>
+              </a:ext>
+            </a:extLst>
+          </p:cNvPr>
+          <p:cNvSpPr txBox="1"/>
+          <p:nvPr/>
+        </p:nvSpPr>
+        <p:spPr>
+          <a:xfrm>
+            <a:off x="2111832" y="4722029"/>
+            <a:ext cx="1338828" cy="369332"/>
+          </a:xfrm>
+          <a:prstGeom prst="rect">
+            <a:avLst/>
+          </a:prstGeom>
+          <a:noFill/>
+        </p:spPr>
+        <p:txBody>
+          <a:bodyPr wrap="none" rtlCol="0">
+            <a:spAutoFit/>
+          </a:bodyPr>
+          <a:lstStyle/>
+          <a:p>
+            <a:r>
+              <a:rPr kumimoji="1" lang="ja-JP" altLang="en-US" dirty="0"/>
+              <a:t>仮説が棄却</a:t>
+            </a:r>
+          </a:p>
+        </p:txBody>
+      </p:sp>
+      <p:sp>
+        <p:nvSpPr>
+          <p:cNvPr id="14" name="テキスト ボックス 13">
+            <a:extLst>
+              <a:ext uri="{FF2B5EF4-FFF2-40B4-BE49-F238E27FC236}">
+                <a16:creationId xmlns:a16="http://schemas.microsoft.com/office/drawing/2014/main" id="{7CFBDC5E-4617-E7E6-6B72-F26568C42CEF}"/>
+              </a:ext>
+            </a:extLst>
+          </p:cNvPr>
+          <p:cNvSpPr txBox="1"/>
+          <p:nvPr/>
+        </p:nvSpPr>
+        <p:spPr>
+          <a:xfrm>
+            <a:off x="4888935" y="4192327"/>
+            <a:ext cx="1640193" cy="369332"/>
+          </a:xfrm>
+          <a:prstGeom prst="rect">
+            <a:avLst/>
+          </a:prstGeom>
+          <a:noFill/>
+        </p:spPr>
+        <p:txBody>
+          <a:bodyPr wrap="none" rtlCol="0">
+            <a:spAutoFit/>
+          </a:bodyPr>
+          <a:lstStyle/>
+          <a:p>
+            <a:r>
+              <a:rPr kumimoji="1" lang="en-US" altLang="ja-JP" dirty="0"/>
+              <a:t>p</a:t>
+            </a:r>
+            <a:r>
+              <a:rPr kumimoji="1" lang="ja-JP" altLang="en-US" dirty="0"/>
+              <a:t>値</a:t>
+            </a:r>
+            <a:r>
+              <a:rPr kumimoji="1" lang="en-US" altLang="ja-JP" dirty="0"/>
+              <a:t>&gt;</a:t>
+            </a:r>
+            <a:r>
+              <a:rPr kumimoji="1" lang="ja-JP" altLang="en-US" dirty="0"/>
+              <a:t>有意水準</a:t>
+            </a:r>
+          </a:p>
+        </p:txBody>
+      </p:sp>
+      <p:sp>
+        <p:nvSpPr>
+          <p:cNvPr id="15" name="テキスト ボックス 14">
+            <a:extLst>
+              <a:ext uri="{FF2B5EF4-FFF2-40B4-BE49-F238E27FC236}">
+                <a16:creationId xmlns:a16="http://schemas.microsoft.com/office/drawing/2014/main" id="{EE55FED7-E653-CAAF-31E1-0DD481847F5A}"/>
+              </a:ext>
+            </a:extLst>
+          </p:cNvPr>
+          <p:cNvSpPr txBox="1"/>
+          <p:nvPr/>
+        </p:nvSpPr>
+        <p:spPr>
+          <a:xfrm>
+            <a:off x="4931286" y="4641844"/>
+            <a:ext cx="1338828" cy="369332"/>
+          </a:xfrm>
+          <a:prstGeom prst="rect">
+            <a:avLst/>
+          </a:prstGeom>
+          <a:noFill/>
+        </p:spPr>
+        <p:txBody>
+          <a:bodyPr wrap="none" rtlCol="0">
+            <a:spAutoFit/>
+          </a:bodyPr>
+          <a:lstStyle/>
+          <a:p>
+            <a:r>
+              <a:rPr kumimoji="1" lang="ja-JP" altLang="en-US" dirty="0"/>
+              <a:t>仮説を</a:t>
+            </a:r>
+            <a:r>
+              <a:rPr lang="ja-JP" altLang="en-US" dirty="0"/>
+              <a:t>保留</a:t>
+            </a:r>
+            <a:endParaRPr kumimoji="1" lang="ja-JP" altLang="en-US" dirty="0"/>
+          </a:p>
+        </p:txBody>
+      </p:sp>
+    </p:spTree>
+    <p:extLst>
+      <p:ext uri="{BB962C8B-B14F-4D97-AF65-F5344CB8AC3E}">
+        <p14:creationId xmlns:p14="http://schemas.microsoft.com/office/powerpoint/2010/main" val="554711760"/>
+      </p:ext>
+    </p:extLst>
+  </p:cSld>
+  <p:clrMapOvr>
+    <a:masterClrMapping/>
+  </p:clrMapOvr>
+</p:sld>
+</file>
+
+<file path=ppt/slides/slide4.xml><?xml version="1.0" encoding="utf-8"?>
+<p:sld xmlns:a="http://schemas.openxmlformats.org/drawingml/2006/main" xmlns:r="http://schemas.openxmlformats.org/officeDocument/2006/relationships" xmlns:p="http://schemas.openxmlformats.org/presentationml/2006/main">
+  <p:cSld>
+    <p:spTree>
+      <p:nvGrpSpPr>
+        <p:cNvPr id="1" name=""/>
+        <p:cNvGrpSpPr/>
+        <p:nvPr/>
+      </p:nvGrpSpPr>
+      <p:grpSpPr>
+        <a:xfrm>
+          <a:off x="0" y="0"/>
+          <a:ext cx="0" cy="0"/>
+          <a:chOff x="0" y="0"/>
+          <a:chExt cx="0" cy="0"/>
+        </a:xfrm>
+      </p:grpSpPr>
+      <p:pic>
+        <p:nvPicPr>
+          <p:cNvPr id="4" name="図 3">
+            <a:extLst>
+              <a:ext uri="{FF2B5EF4-FFF2-40B4-BE49-F238E27FC236}">
+                <a16:creationId xmlns:a16="http://schemas.microsoft.com/office/drawing/2014/main" id="{7722DB67-CE8F-BDA1-AFBF-E1463BA68C09}"/>
+              </a:ext>
+            </a:extLst>
+          </p:cNvPr>
+          <p:cNvPicPr>
+            <a:picLocks noChangeAspect="1"/>
+          </p:cNvPicPr>
+          <p:nvPr/>
+        </p:nvPicPr>
+        <p:blipFill>
+          <a:blip r:embed="rId2"/>
+          <a:stretch>
+            <a:fillRect/>
+          </a:stretch>
+        </p:blipFill>
+        <p:spPr>
+          <a:xfrm>
+            <a:off x="2069481" y="798577"/>
+            <a:ext cx="2431060" cy="2288056"/>
+          </a:xfrm>
+          <a:prstGeom prst="rect">
+            <a:avLst/>
+          </a:prstGeom>
+        </p:spPr>
+      </p:pic>
+      <p:sp>
+        <p:nvSpPr>
+          <p:cNvPr id="5" name="テキスト ボックス 4">
+            <a:extLst>
+              <a:ext uri="{FF2B5EF4-FFF2-40B4-BE49-F238E27FC236}">
+                <a16:creationId xmlns:a16="http://schemas.microsoft.com/office/drawing/2014/main" id="{A4BFDAAF-65DF-A6DE-5887-E16C5D4FCAA5}"/>
+              </a:ext>
+            </a:extLst>
+          </p:cNvPr>
+          <p:cNvSpPr txBox="1"/>
+          <p:nvPr/>
+        </p:nvSpPr>
+        <p:spPr>
+          <a:xfrm>
+            <a:off x="2666893" y="459708"/>
+            <a:ext cx="1236236" cy="369332"/>
+          </a:xfrm>
+          <a:prstGeom prst="rect">
+            <a:avLst/>
+          </a:prstGeom>
+          <a:noFill/>
+        </p:spPr>
+        <p:txBody>
+          <a:bodyPr wrap="none" rtlCol="0">
+            <a:spAutoFit/>
+          </a:bodyPr>
+          <a:lstStyle/>
+          <a:p>
+            <a:r>
+              <a:rPr kumimoji="1" lang="ja-JP" altLang="en-US" dirty="0"/>
+              <a:t>実験結果</a:t>
+            </a:r>
+            <a:r>
+              <a:rPr kumimoji="1" lang="en-US" altLang="ja-JP" dirty="0"/>
+              <a:t>1</a:t>
+            </a:r>
+            <a:endParaRPr kumimoji="1" lang="ja-JP" altLang="en-US" dirty="0"/>
+          </a:p>
+        </p:txBody>
+      </p:sp>
+      <p:cxnSp>
+        <p:nvCxnSpPr>
+          <p:cNvPr id="8" name="直線矢印コネクタ 7">
+            <a:extLst>
+              <a:ext uri="{FF2B5EF4-FFF2-40B4-BE49-F238E27FC236}">
+                <a16:creationId xmlns:a16="http://schemas.microsoft.com/office/drawing/2014/main" id="{C570367F-D18C-B6FA-84C7-17AED08A1F8F}"/>
+              </a:ext>
+            </a:extLst>
+          </p:cNvPr>
+          <p:cNvCxnSpPr>
+            <a:cxnSpLocks/>
+          </p:cNvCxnSpPr>
+          <p:nvPr/>
+        </p:nvCxnSpPr>
+        <p:spPr>
+          <a:xfrm>
+            <a:off x="3070860" y="3192780"/>
+            <a:ext cx="788529" cy="401994"/>
+          </a:xfrm>
+          <a:prstGeom prst="straightConnector1">
+            <a:avLst/>
+          </a:prstGeom>
+          <a:ln>
+            <a:tailEnd type="triangle"/>
+          </a:ln>
+        </p:spPr>
+        <p:style>
+          <a:lnRef idx="1">
+            <a:schemeClr val="accent1"/>
+          </a:lnRef>
+          <a:fillRef idx="0">
+            <a:schemeClr val="accent1"/>
+          </a:fillRef>
+          <a:effectRef idx="0">
+            <a:schemeClr val="accent1"/>
+          </a:effectRef>
+          <a:fontRef idx="minor">
+            <a:schemeClr val="tx1"/>
+          </a:fontRef>
+        </p:style>
+      </p:cxnSp>
+      <p:cxnSp>
+        <p:nvCxnSpPr>
+          <p:cNvPr id="10" name="直線矢印コネクタ 9">
+            <a:extLst>
+              <a:ext uri="{FF2B5EF4-FFF2-40B4-BE49-F238E27FC236}">
+                <a16:creationId xmlns:a16="http://schemas.microsoft.com/office/drawing/2014/main" id="{5364B578-562B-4854-F1F4-F35386895F75}"/>
+              </a:ext>
+            </a:extLst>
+          </p:cNvPr>
+          <p:cNvCxnSpPr/>
+          <p:nvPr/>
+        </p:nvCxnSpPr>
+        <p:spPr>
+          <a:xfrm flipH="1">
+            <a:off x="4549140" y="3110322"/>
+            <a:ext cx="899160" cy="516798"/>
+          </a:xfrm>
+          <a:prstGeom prst="straightConnector1">
+            <a:avLst/>
+          </a:prstGeom>
+          <a:ln>
+            <a:tailEnd type="triangle"/>
+          </a:ln>
+        </p:spPr>
+        <p:style>
+          <a:lnRef idx="1">
+            <a:schemeClr val="accent1"/>
+          </a:lnRef>
+          <a:fillRef idx="0">
+            <a:schemeClr val="accent1"/>
+          </a:fillRef>
+          <a:effectRef idx="0">
+            <a:schemeClr val="accent1"/>
+          </a:effectRef>
+          <a:fontRef idx="minor">
+            <a:schemeClr val="tx1"/>
+          </a:fontRef>
+        </p:style>
+      </p:cxnSp>
+      <p:sp>
+        <p:nvSpPr>
+          <p:cNvPr id="11" name="テキスト ボックス 10">
+            <a:extLst>
+              <a:ext uri="{FF2B5EF4-FFF2-40B4-BE49-F238E27FC236}">
+                <a16:creationId xmlns:a16="http://schemas.microsoft.com/office/drawing/2014/main" id="{35415F46-86F0-3F2A-667D-1ABFC52670C5}"/>
+              </a:ext>
+            </a:extLst>
+          </p:cNvPr>
+          <p:cNvSpPr txBox="1"/>
+          <p:nvPr/>
+        </p:nvSpPr>
+        <p:spPr>
+          <a:xfrm>
+            <a:off x="2343801" y="3733267"/>
+            <a:ext cx="3877985" cy="369332"/>
+          </a:xfrm>
+          <a:prstGeom prst="rect">
+            <a:avLst/>
+          </a:prstGeom>
+          <a:noFill/>
+        </p:spPr>
+        <p:txBody>
+          <a:bodyPr wrap="none" rtlCol="0">
+            <a:spAutoFit/>
+          </a:bodyPr>
+          <a:lstStyle/>
+          <a:p>
+            <a:r>
+              <a:rPr kumimoji="1" lang="ja-JP" altLang="en-US" dirty="0"/>
+              <a:t>仮説</a:t>
+            </a:r>
+            <a:r>
+              <a:rPr lang="ja-JP" altLang="en-US" dirty="0"/>
+              <a:t>、同じ母集団からの分布である</a:t>
+            </a:r>
+            <a:endParaRPr kumimoji="1" lang="ja-JP" altLang="en-US" dirty="0"/>
+          </a:p>
+        </p:txBody>
+      </p:sp>
+      <p:sp>
+        <p:nvSpPr>
+          <p:cNvPr id="3" name="テキスト ボックス 2">
+            <a:extLst>
+              <a:ext uri="{FF2B5EF4-FFF2-40B4-BE49-F238E27FC236}">
+                <a16:creationId xmlns:a16="http://schemas.microsoft.com/office/drawing/2014/main" id="{8688C79F-2D82-42B1-5420-B789A02DD5DD}"/>
+              </a:ext>
+            </a:extLst>
+          </p:cNvPr>
+          <p:cNvSpPr txBox="1"/>
+          <p:nvPr/>
+        </p:nvSpPr>
+        <p:spPr>
+          <a:xfrm>
+            <a:off x="4830182" y="424972"/>
+            <a:ext cx="1236236" cy="369332"/>
+          </a:xfrm>
+          <a:prstGeom prst="rect">
+            <a:avLst/>
+          </a:prstGeom>
+          <a:noFill/>
+        </p:spPr>
+        <p:txBody>
+          <a:bodyPr wrap="none" rtlCol="0">
+            <a:spAutoFit/>
+          </a:bodyPr>
+          <a:lstStyle/>
+          <a:p>
+            <a:r>
+              <a:rPr kumimoji="1" lang="ja-JP" altLang="en-US" dirty="0"/>
+              <a:t>実験結果</a:t>
+            </a:r>
+            <a:r>
+              <a:rPr kumimoji="1" lang="en-US" altLang="ja-JP" dirty="0"/>
+              <a:t>2</a:t>
+            </a:r>
+            <a:endParaRPr kumimoji="1" lang="ja-JP" altLang="en-US" dirty="0"/>
+          </a:p>
+        </p:txBody>
+      </p:sp>
+      <p:pic>
+        <p:nvPicPr>
+          <p:cNvPr id="9" name="図 8">
+            <a:extLst>
+              <a:ext uri="{FF2B5EF4-FFF2-40B4-BE49-F238E27FC236}">
+                <a16:creationId xmlns:a16="http://schemas.microsoft.com/office/drawing/2014/main" id="{AAAE9564-9152-056E-6E30-1E402644AA3F}"/>
+              </a:ext>
+            </a:extLst>
+          </p:cNvPr>
+          <p:cNvPicPr>
+            <a:picLocks noChangeAspect="1"/>
+          </p:cNvPicPr>
+          <p:nvPr/>
+        </p:nvPicPr>
+        <p:blipFill>
+          <a:blip r:embed="rId3"/>
+          <a:stretch>
+            <a:fillRect/>
+          </a:stretch>
+        </p:blipFill>
+        <p:spPr>
+          <a:xfrm>
+            <a:off x="4116765" y="817993"/>
+            <a:ext cx="2334605" cy="2268640"/>
+          </a:xfrm>
+          <a:prstGeom prst="rect">
+            <a:avLst/>
+          </a:prstGeom>
+        </p:spPr>
+      </p:pic>
+    </p:spTree>
+    <p:extLst>
+      <p:ext uri="{BB962C8B-B14F-4D97-AF65-F5344CB8AC3E}">
+        <p14:creationId xmlns:p14="http://schemas.microsoft.com/office/powerpoint/2010/main" val="1529599871"/>
       </p:ext>
     </p:extLst>
   </p:cSld>
